--- a/2022/June_Batch/5Javascript/2August/24-08-22-ES6-rest-spread-destructing-High-Level-Mutli-Paradigm/9javascript -Behind-the-scence.pptx
+++ b/2022/June_Batch/5Javascript/2August/24-08-22-ES6-rest-spread-destructing-High-Level-Mutli-Paradigm/9javascript -Behind-the-scence.pptx
@@ -2,7 +2,7 @@
 <file path=ppt/presentation.xml><?xml version="1.0" encoding="utf-8"?>
 <p:presentation xmlns:a="http://schemas.openxmlformats.org/drawingml/2006/main" xmlns:r="http://schemas.openxmlformats.org/officeDocument/2006/relationships" xmlns:p="http://schemas.openxmlformats.org/presentationml/2006/main" saveSubsetFonts="1">
   <p:sldMasterIdLst>
-    <p:sldMasterId id="2147483660" r:id="rId1"/>
+    <p:sldMasterId id="2147483684" r:id="rId1"/>
   </p:sldMasterIdLst>
   <p:sldIdLst>
     <p:sldId id="289" r:id="rId2"/>
@@ -133,8 +133,13 @@
 </file>
 
 <file path=ppt/slideLayouts/slideLayout1.xml><?xml version="1.0" encoding="utf-8"?>
-<p:sldLayout xmlns:a="http://schemas.openxmlformats.org/drawingml/2006/main" xmlns:r="http://schemas.openxmlformats.org/officeDocument/2006/relationships" xmlns:p="http://schemas.openxmlformats.org/presentationml/2006/main" type="title" preserve="1">
+<p:sldLayout xmlns:a="http://schemas.openxmlformats.org/drawingml/2006/main" xmlns:r="http://schemas.openxmlformats.org/officeDocument/2006/relationships" xmlns:p="http://schemas.openxmlformats.org/presentationml/2006/main" showMasterSp="0" type="title" preserve="1">
   <p:cSld name="Title Slide">
+    <p:bg>
+      <p:bgRef idx="1002">
+        <a:schemeClr val="bg1"/>
+      </p:bgRef>
+    </p:bg>
     <p:spTree>
       <p:nvGrpSpPr>
         <p:cNvPr id="1" name=""/>
@@ -151,7 +156,126 @@
       </p:grpSpPr>
       <p:sp>
         <p:nvSpPr>
-          <p:cNvPr id="2" name="Title 1"/>
+          <p:cNvPr id="8" name="Rectangle 7"/>
+          <p:cNvSpPr/>
+          <p:nvPr/>
+        </p:nvSpPr>
+        <p:spPr>
+          <a:xfrm flipH="1">
+            <a:off x="3556000" y="0"/>
+            <a:ext cx="8636000" cy="6858000"/>
+          </a:xfrm>
+          <a:prstGeom prst="rect">
+            <a:avLst/>
+          </a:prstGeom>
+          <a:blipFill>
+            <a:blip r:embed="rId2">
+              <a:alphaModFix amt="43000"/>
+            </a:blip>
+            <a:tile tx="0" ty="0" sx="50000" sy="50000" flip="none" algn="tl"/>
+          </a:blipFill>
+          <a:ln w="0" cap="flat" cmpd="sng" algn="ctr">
+            <a:noFill/>
+            <a:prstDash val="solid"/>
+          </a:ln>
+          <a:effectLst>
+            <a:fillOverlay blend="mult">
+              <a:gradFill rotWithShape="1">
+                <a:gsLst>
+                  <a:gs pos="0">
+                    <a:schemeClr val="tx2">
+                      <a:tint val="62000"/>
+                      <a:satMod val="420000"/>
+                    </a:schemeClr>
+                  </a:gs>
+                  <a:gs pos="100000">
+                    <a:schemeClr val="tx2">
+                      <a:shade val="20000"/>
+                      <a:satMod val="170000"/>
+                    </a:schemeClr>
+                  </a:gs>
+                </a:gsLst>
+                <a:path path="circle">
+                  <a:fillToRect l="50000" t="100000" r="50000"/>
+                </a:path>
+                <a:tileRect/>
+              </a:gradFill>
+            </a:fillOverlay>
+            <a:innerShdw blurRad="63500" dist="44450" dir="10800000">
+              <a:srgbClr val="000000">
+                <a:alpha val="50000"/>
+              </a:srgbClr>
+            </a:innerShdw>
+          </a:effectLst>
+        </p:spPr>
+        <p:style>
+          <a:lnRef idx="3">
+            <a:schemeClr val="lt1"/>
+          </a:lnRef>
+          <a:fillRef idx="1">
+            <a:schemeClr val="accent1"/>
+          </a:fillRef>
+          <a:effectRef idx="1">
+            <a:schemeClr val="accent1"/>
+          </a:effectRef>
+          <a:fontRef idx="minor">
+            <a:schemeClr val="lt1"/>
+          </a:fontRef>
+        </p:style>
+        <p:txBody>
+          <a:bodyPr anchor="ctr"/>
+          <a:lstStyle>
+            <a:extLst/>
+          </a:lstStyle>
+          <a:p>
+            <a:pPr algn="ctr" eaLnBrk="1" latinLnBrk="0" hangingPunct="1"/>
+            <a:endParaRPr kumimoji="0" lang="en-US"/>
+          </a:p>
+        </p:txBody>
+      </p:sp>
+      <p:sp>
+        <p:nvSpPr>
+          <p:cNvPr id="9" name="Straight Connector 8"/>
+          <p:cNvSpPr>
+            <a:spLocks noChangeShapeType="1"/>
+          </p:cNvSpPr>
+          <p:nvPr/>
+        </p:nvSpPr>
+        <p:spPr bwMode="auto">
+          <a:xfrm rot="16200000">
+            <a:off x="127000" y="3429000"/>
+            <a:ext cx="6858000" cy="0"/>
+          </a:xfrm>
+          <a:prstGeom prst="line">
+            <a:avLst/>
+          </a:prstGeom>
+          <a:noFill/>
+          <a:ln w="11430" cap="flat" cmpd="sng" algn="ctr">
+            <a:solidFill>
+              <a:schemeClr val="bg1">
+                <a:shade val="95000"/>
+              </a:schemeClr>
+            </a:solidFill>
+            <a:prstDash val="solid"/>
+            <a:miter lim="800000"/>
+            <a:headEnd type="none" w="med" len="med"/>
+            <a:tailEnd type="none" w="med" len="med"/>
+          </a:ln>
+          <a:effectLst/>
+        </p:spPr>
+        <p:txBody>
+          <a:bodyPr vert="horz" wrap="square" lIns="91440" tIns="45720" rIns="91440" bIns="45720" anchor="t" compatLnSpc="1"/>
+          <a:lstStyle>
+            <a:extLst/>
+          </a:lstStyle>
+          <a:p>
+            <a:endParaRPr kumimoji="0" lang="en-US"/>
+          </a:p>
+        </p:txBody>
+      </p:sp>
+      <p:sp>
+        <p:nvSpPr>
+          <p:cNvPr id="12" name="Title 11"/>
           <p:cNvSpPr>
             <a:spLocks noGrp="1"/>
           </p:cNvSpPr>
@@ -161,29 +285,32 @@
         </p:nvSpPr>
         <p:spPr>
           <a:xfrm>
-            <a:off x="1524000" y="1122363"/>
-            <a:ext cx="9144000" cy="2387600"/>
-          </a:xfrm>
-        </p:spPr>
-        <p:txBody>
-          <a:bodyPr anchor="b"/>
-          <a:lstStyle>
-            <a:lvl1pPr algn="ctr">
-              <a:defRPr sz="6000"/>
+            <a:off x="4489157" y="533400"/>
+            <a:ext cx="6807200" cy="2868168"/>
+          </a:xfrm>
+        </p:spPr>
+        <p:txBody>
+          <a:bodyPr lIns="45720" tIns="0" rIns="45720">
+            <a:noAutofit/>
+          </a:bodyPr>
+          <a:lstStyle>
+            <a:lvl1pPr algn="r">
+              <a:defRPr sz="4200" b="1"/>
             </a:lvl1pPr>
-          </a:lstStyle>
-          <a:p>
-            <a:r>
-              <a:rPr lang="en-US" altLang="ja-JP" dirty="0"/>
+            <a:extLst/>
+          </a:lstStyle>
+          <a:p>
+            <a:r>
+              <a:rPr kumimoji="0" lang="en-US" smtClean="0"/>
               <a:t>Click to edit Master title style</a:t>
             </a:r>
-            <a:endParaRPr lang="en-US" dirty="0"/>
-          </a:p>
-        </p:txBody>
-      </p:sp>
-      <p:sp>
-        <p:nvSpPr>
-          <p:cNvPr id="3" name="Subtitle 2"/>
+            <a:endParaRPr kumimoji="0" lang="en-US"/>
+          </a:p>
+        </p:txBody>
+      </p:sp>
+      <p:sp>
+        <p:nvSpPr>
+          <p:cNvPr id="25" name="Subtitle 24"/>
           <p:cNvSpPr>
             <a:spLocks noGrp="1"/>
           </p:cNvSpPr>
@@ -193,62 +320,60 @@
         </p:nvSpPr>
         <p:spPr>
           <a:xfrm>
-            <a:off x="1524000" y="3602038"/>
-            <a:ext cx="9144000" cy="1655762"/>
-          </a:xfrm>
-        </p:spPr>
-        <p:txBody>
-          <a:bodyPr/>
-          <a:lstStyle>
-            <a:lvl1pPr marL="0" indent="0" algn="ctr">
+            <a:off x="4472589" y="3539864"/>
+            <a:ext cx="6819704" cy="1101248"/>
+          </a:xfrm>
+        </p:spPr>
+        <p:txBody>
+          <a:bodyPr lIns="45720" tIns="0" rIns="45720" bIns="0"/>
+          <a:lstStyle>
+            <a:lvl1pPr marL="0" indent="0" algn="r">
               <a:buNone/>
-              <a:defRPr sz="2400"/>
+              <a:defRPr sz="2200">
+                <a:solidFill>
+                  <a:srgbClr val="FFFFFF"/>
+                </a:solidFill>
+                <a:effectLst/>
+              </a:defRPr>
             </a:lvl1pPr>
             <a:lvl2pPr marL="457200" indent="0" algn="ctr">
               <a:buNone/>
-              <a:defRPr sz="2000"/>
             </a:lvl2pPr>
             <a:lvl3pPr marL="914400" indent="0" algn="ctr">
               <a:buNone/>
-              <a:defRPr sz="1800"/>
             </a:lvl3pPr>
             <a:lvl4pPr marL="1371600" indent="0" algn="ctr">
               <a:buNone/>
-              <a:defRPr sz="1600"/>
             </a:lvl4pPr>
             <a:lvl5pPr marL="1828800" indent="0" algn="ctr">
               <a:buNone/>
-              <a:defRPr sz="1600"/>
             </a:lvl5pPr>
             <a:lvl6pPr marL="2286000" indent="0" algn="ctr">
               <a:buNone/>
-              <a:defRPr sz="1600"/>
             </a:lvl6pPr>
             <a:lvl7pPr marL="2743200" indent="0" algn="ctr">
               <a:buNone/>
-              <a:defRPr sz="1600"/>
             </a:lvl7pPr>
             <a:lvl8pPr marL="3200400" indent="0" algn="ctr">
               <a:buNone/>
-              <a:defRPr sz="1600"/>
             </a:lvl8pPr>
             <a:lvl9pPr marL="3657600" indent="0" algn="ctr">
               <a:buNone/>
-              <a:defRPr sz="1600"/>
             </a:lvl9pPr>
-          </a:lstStyle>
-          <a:p>
-            <a:r>
-              <a:rPr lang="en-US" altLang="ja-JP" dirty="0"/>
+            <a:extLst/>
+          </a:lstStyle>
+          <a:p>
+            <a:r>
+              <a:rPr kumimoji="0" lang="en-US" smtClean="0"/>
               <a:t>Click to edit Master subtitle style</a:t>
             </a:r>
-            <a:endParaRPr lang="en-US" dirty="0"/>
-          </a:p>
-        </p:txBody>
-      </p:sp>
-      <p:sp>
-        <p:nvSpPr>
-          <p:cNvPr id="4" name="Date Placeholder 3"/>
+            <a:endParaRPr kumimoji="0" lang="en-US"/>
+          </a:p>
+        </p:txBody>
+      </p:sp>
+      <p:sp>
+        <p:nvSpPr>
+          <p:cNvPr id="31" name="Date Placeholder 30"/>
           <p:cNvSpPr>
             <a:spLocks noGrp="1"/>
           </p:cNvSpPr>
@@ -256,15 +381,29 @@
             <p:ph type="dt" sz="half" idx="10"/>
           </p:nvPr>
         </p:nvSpPr>
-        <p:spPr/>
+        <p:spPr>
+          <a:xfrm>
+            <a:off x="7828299" y="6557946"/>
+            <a:ext cx="2669952" cy="226902"/>
+          </a:xfrm>
+        </p:spPr>
         <p:txBody>
           <a:bodyPr/>
-          <a:lstStyle/>
+          <a:lstStyle>
+            <a:lvl1pPr>
+              <a:defRPr lang="en-US" smtClean="0">
+                <a:solidFill>
+                  <a:srgbClr val="FFFFFF"/>
+                </a:solidFill>
+              </a:defRPr>
+            </a:lvl1pPr>
+            <a:extLst/>
+          </a:lstStyle>
           <a:p>
             <a:fld id="{7FCC5AE5-E495-4913-B643-A95A6AFABB00}" type="datetimeFigureOut">
               <a:rPr kumimoji="1" lang="ja-JP" altLang="en-US" smtClean="0"/>
               <a:pPr/>
-              <a:t>2022/8/24</a:t>
+              <a:t>2022/8/25</a:t>
             </a:fld>
             <a:endParaRPr kumimoji="1" lang="ja-JP" altLang="en-US"/>
           </a:p>
@@ -272,7 +411,7 @@
       </p:sp>
       <p:sp>
         <p:nvSpPr>
-          <p:cNvPr id="5" name="Footer Placeholder 4"/>
+          <p:cNvPr id="18" name="Footer Placeholder 17"/>
           <p:cNvSpPr>
             <a:spLocks noGrp="1"/>
           </p:cNvSpPr>
@@ -280,10 +419,24 @@
             <p:ph type="ftr" sz="quarter" idx="11"/>
           </p:nvPr>
         </p:nvSpPr>
-        <p:spPr/>
+        <p:spPr>
+          <a:xfrm>
+            <a:off x="3759200" y="6557946"/>
+            <a:ext cx="3903629" cy="228600"/>
+          </a:xfrm>
+        </p:spPr>
         <p:txBody>
           <a:bodyPr/>
-          <a:lstStyle/>
+          <a:lstStyle>
+            <a:lvl1pPr>
+              <a:defRPr lang="en-US" dirty="0">
+                <a:solidFill>
+                  <a:srgbClr val="FFFFFF"/>
+                </a:solidFill>
+              </a:defRPr>
+            </a:lvl1pPr>
+            <a:extLst/>
+          </a:lstStyle>
           <a:p>
             <a:endParaRPr kumimoji="1" lang="ja-JP" altLang="en-US"/>
           </a:p>
@@ -291,7 +444,7 @@
       </p:sp>
       <p:sp>
         <p:nvSpPr>
-          <p:cNvPr id="6" name="Slide Number Placeholder 5"/>
+          <p:cNvPr id="29" name="Slide Number Placeholder 28"/>
           <p:cNvSpPr>
             <a:spLocks noGrp="1"/>
           </p:cNvSpPr>
@@ -299,10 +452,24 @@
             <p:ph type="sldNum" sz="quarter" idx="12"/>
           </p:nvPr>
         </p:nvSpPr>
-        <p:spPr/>
+        <p:spPr>
+          <a:xfrm>
+            <a:off x="10507845" y="6556248"/>
+            <a:ext cx="784448" cy="228600"/>
+          </a:xfrm>
+        </p:spPr>
         <p:txBody>
           <a:bodyPr/>
-          <a:lstStyle/>
+          <a:lstStyle>
+            <a:lvl1pPr>
+              <a:defRPr lang="en-US" smtClean="0">
+                <a:solidFill>
+                  <a:srgbClr val="FFFFFF"/>
+                </a:solidFill>
+              </a:defRPr>
+            </a:lvl1pPr>
+            <a:extLst/>
+          </a:lstStyle>
           <a:p>
             <a:fld id="{70A8A157-56DF-4B3D-9650-5955C7C8710E}" type="slidenum">
               <a:rPr kumimoji="1" lang="ja-JP" altLang="en-US" smtClean="0"/>
@@ -314,14 +481,9 @@
         </p:txBody>
       </p:sp>
     </p:spTree>
-    <p:extLst>
-      <p:ext uri="{BB962C8B-B14F-4D97-AF65-F5344CB8AC3E}">
-        <p14:creationId xmlns:p14="http://schemas.microsoft.com/office/powerpoint/2010/main" xmlns="" val="3096064434"/>
-      </p:ext>
-    </p:extLst>
   </p:cSld>
   <p:clrMapOvr>
-    <a:masterClrMapping/>
+    <a:overrideClrMapping bg1="lt1" tx1="dk1" bg2="lt2" tx2="dk2" accent1="accent1" accent2="accent2" accent3="accent3" accent4="accent4" accent5="accent5" accent6="accent6" hlink="hlink" folHlink="folHlink"/>
   </p:clrMapOvr>
 </p:sldLayout>
 </file>
@@ -356,13 +518,15 @@
         <p:spPr/>
         <p:txBody>
           <a:bodyPr/>
-          <a:lstStyle/>
-          <a:p>
-            <a:r>
-              <a:rPr lang="en-US" altLang="ja-JP"/>
+          <a:lstStyle>
+            <a:extLst/>
+          </a:lstStyle>
+          <a:p>
+            <a:r>
+              <a:rPr kumimoji="0" lang="en-US" smtClean="0"/>
               <a:t>Click to edit Master title style</a:t>
             </a:r>
-            <a:endParaRPr lang="en-US" dirty="0"/>
+            <a:endParaRPr kumimoji="0" lang="en-US"/>
           </a:p>
         </p:txBody>
       </p:sp>
@@ -379,42 +543,44 @@
         <p:spPr/>
         <p:txBody>
           <a:bodyPr vert="eaVert"/>
-          <a:lstStyle/>
-          <a:p>
-            <a:pPr lvl="0"/>
-            <a:r>
-              <a:rPr lang="en-US" altLang="ja-JP"/>
-              <a:t>Edit Master text styles</a:t>
-            </a:r>
-          </a:p>
-          <a:p>
-            <a:pPr lvl="1"/>
-            <a:r>
-              <a:rPr lang="en-US" altLang="ja-JP"/>
+          <a:lstStyle>
+            <a:extLst/>
+          </a:lstStyle>
+          <a:p>
+            <a:pPr lvl="0" eaLnBrk="1" latinLnBrk="0" hangingPunct="1"/>
+            <a:r>
+              <a:rPr lang="en-US" smtClean="0"/>
+              <a:t>Click to edit Master text styles</a:t>
+            </a:r>
+          </a:p>
+          <a:p>
+            <a:pPr lvl="1" eaLnBrk="1" latinLnBrk="0" hangingPunct="1"/>
+            <a:r>
+              <a:rPr lang="en-US" smtClean="0"/>
               <a:t>Second level</a:t>
             </a:r>
           </a:p>
           <a:p>
-            <a:pPr lvl="2"/>
-            <a:r>
-              <a:rPr lang="en-US" altLang="ja-JP"/>
+            <a:pPr lvl="2" eaLnBrk="1" latinLnBrk="0" hangingPunct="1"/>
+            <a:r>
+              <a:rPr lang="en-US" smtClean="0"/>
               <a:t>Third level</a:t>
             </a:r>
           </a:p>
           <a:p>
-            <a:pPr lvl="3"/>
-            <a:r>
-              <a:rPr lang="en-US" altLang="ja-JP"/>
+            <a:pPr lvl="3" eaLnBrk="1" latinLnBrk="0" hangingPunct="1"/>
+            <a:r>
+              <a:rPr lang="en-US" smtClean="0"/>
               <a:t>Fourth level</a:t>
             </a:r>
           </a:p>
           <a:p>
-            <a:pPr lvl="4"/>
-            <a:r>
-              <a:rPr lang="en-US" altLang="ja-JP"/>
+            <a:pPr lvl="4" eaLnBrk="1" latinLnBrk="0" hangingPunct="1"/>
+            <a:r>
+              <a:rPr lang="en-US" smtClean="0"/>
               <a:t>Fifth level</a:t>
             </a:r>
-            <a:endParaRPr lang="en-US" dirty="0"/>
+            <a:endParaRPr kumimoji="0" lang="en-US"/>
           </a:p>
         </p:txBody>
       </p:sp>
@@ -431,12 +597,14 @@
         <p:spPr/>
         <p:txBody>
           <a:bodyPr/>
-          <a:lstStyle/>
+          <a:lstStyle>
+            <a:extLst/>
+          </a:lstStyle>
           <a:p>
             <a:fld id="{7FCC5AE5-E495-4913-B643-A95A6AFABB00}" type="datetimeFigureOut">
               <a:rPr kumimoji="1" lang="ja-JP" altLang="en-US" smtClean="0"/>
               <a:pPr/>
-              <a:t>2022/8/24</a:t>
+              <a:t>2022/8/25</a:t>
             </a:fld>
             <a:endParaRPr kumimoji="1" lang="ja-JP" altLang="en-US"/>
           </a:p>
@@ -455,7 +623,9 @@
         <p:spPr/>
         <p:txBody>
           <a:bodyPr/>
-          <a:lstStyle/>
+          <a:lstStyle>
+            <a:extLst/>
+          </a:lstStyle>
           <a:p>
             <a:endParaRPr kumimoji="1" lang="ja-JP" altLang="en-US"/>
           </a:p>
@@ -474,7 +644,9 @@
         <p:spPr/>
         <p:txBody>
           <a:bodyPr/>
-          <a:lstStyle/>
+          <a:lstStyle>
+            <a:extLst/>
+          </a:lstStyle>
           <a:p>
             <a:fld id="{70A8A157-56DF-4B3D-9650-5955C7C8710E}" type="slidenum">
               <a:rPr kumimoji="1" lang="ja-JP" altLang="en-US" smtClean="0"/>
@@ -486,11 +658,6 @@
         </p:txBody>
       </p:sp>
     </p:spTree>
-    <p:extLst>
-      <p:ext uri="{BB962C8B-B14F-4D97-AF65-F5344CB8AC3E}">
-        <p14:creationId xmlns:p14="http://schemas.microsoft.com/office/powerpoint/2010/main" xmlns="" val="71407721"/>
-      </p:ext>
-    </p:extLst>
   </p:cSld>
   <p:clrMapOvr>
     <a:masterClrMapping/>
@@ -527,19 +694,21 @@
         </p:nvSpPr>
         <p:spPr>
           <a:xfrm>
-            <a:off x="8724900" y="365125"/>
-            <a:ext cx="2628900" cy="5811838"/>
-          </a:xfrm>
-        </p:spPr>
-        <p:txBody>
-          <a:bodyPr vert="eaVert"/>
-          <a:lstStyle/>
-          <a:p>
-            <a:r>
-              <a:rPr lang="en-US" altLang="ja-JP"/>
+            <a:off x="8737600" y="274956"/>
+            <a:ext cx="2032000" cy="5851525"/>
+          </a:xfrm>
+        </p:spPr>
+        <p:txBody>
+          <a:bodyPr vert="eaVert" anchor="t"/>
+          <a:lstStyle>
+            <a:extLst/>
+          </a:lstStyle>
+          <a:p>
+            <a:r>
+              <a:rPr kumimoji="0" lang="en-US" smtClean="0"/>
               <a:t>Click to edit Master title style</a:t>
             </a:r>
-            <a:endParaRPr lang="en-US" dirty="0"/>
+            <a:endParaRPr kumimoji="0" lang="en-US"/>
           </a:p>
         </p:txBody>
       </p:sp>
@@ -555,48 +724,50 @@
         </p:nvSpPr>
         <p:spPr>
           <a:xfrm>
-            <a:off x="838200" y="365125"/>
-            <a:ext cx="7734300" cy="5811838"/>
+            <a:off x="609600" y="274643"/>
+            <a:ext cx="8026400" cy="5851525"/>
           </a:xfrm>
         </p:spPr>
         <p:txBody>
           <a:bodyPr vert="eaVert"/>
-          <a:lstStyle/>
-          <a:p>
-            <a:pPr lvl="0"/>
-            <a:r>
-              <a:rPr lang="en-US" altLang="ja-JP"/>
-              <a:t>Edit Master text styles</a:t>
-            </a:r>
-          </a:p>
-          <a:p>
-            <a:pPr lvl="1"/>
-            <a:r>
-              <a:rPr lang="en-US" altLang="ja-JP"/>
+          <a:lstStyle>
+            <a:extLst/>
+          </a:lstStyle>
+          <a:p>
+            <a:pPr lvl="0" eaLnBrk="1" latinLnBrk="0" hangingPunct="1"/>
+            <a:r>
+              <a:rPr lang="en-US" smtClean="0"/>
+              <a:t>Click to edit Master text styles</a:t>
+            </a:r>
+          </a:p>
+          <a:p>
+            <a:pPr lvl="1" eaLnBrk="1" latinLnBrk="0" hangingPunct="1"/>
+            <a:r>
+              <a:rPr lang="en-US" smtClean="0"/>
               <a:t>Second level</a:t>
             </a:r>
           </a:p>
           <a:p>
-            <a:pPr lvl="2"/>
-            <a:r>
-              <a:rPr lang="en-US" altLang="ja-JP"/>
+            <a:pPr lvl="2" eaLnBrk="1" latinLnBrk="0" hangingPunct="1"/>
+            <a:r>
+              <a:rPr lang="en-US" smtClean="0"/>
               <a:t>Third level</a:t>
             </a:r>
           </a:p>
           <a:p>
-            <a:pPr lvl="3"/>
-            <a:r>
-              <a:rPr lang="en-US" altLang="ja-JP"/>
+            <a:pPr lvl="3" eaLnBrk="1" latinLnBrk="0" hangingPunct="1"/>
+            <a:r>
+              <a:rPr lang="en-US" smtClean="0"/>
               <a:t>Fourth level</a:t>
             </a:r>
           </a:p>
           <a:p>
-            <a:pPr lvl="4"/>
-            <a:r>
-              <a:rPr lang="en-US" altLang="ja-JP"/>
+            <a:pPr lvl="4" eaLnBrk="1" latinLnBrk="0" hangingPunct="1"/>
+            <a:r>
+              <a:rPr lang="en-US" smtClean="0"/>
               <a:t>Fifth level</a:t>
             </a:r>
-            <a:endParaRPr lang="en-US" dirty="0"/>
+            <a:endParaRPr kumimoji="0" lang="en-US"/>
           </a:p>
         </p:txBody>
       </p:sp>
@@ -610,15 +781,22 @@
             <p:ph type="dt" sz="half" idx="10"/>
           </p:nvPr>
         </p:nvSpPr>
-        <p:spPr/>
+        <p:spPr>
+          <a:xfrm>
+            <a:off x="5657088" y="6557946"/>
+            <a:ext cx="2669952" cy="226902"/>
+          </a:xfrm>
+        </p:spPr>
         <p:txBody>
           <a:bodyPr/>
-          <a:lstStyle/>
+          <a:lstStyle>
+            <a:extLst/>
+          </a:lstStyle>
           <a:p>
             <a:fld id="{7FCC5AE5-E495-4913-B643-A95A6AFABB00}" type="datetimeFigureOut">
               <a:rPr kumimoji="1" lang="ja-JP" altLang="en-US" smtClean="0"/>
               <a:pPr/>
-              <a:t>2022/8/24</a:t>
+              <a:t>2022/8/25</a:t>
             </a:fld>
             <a:endParaRPr kumimoji="1" lang="ja-JP" altLang="en-US"/>
           </a:p>
@@ -634,10 +812,17 @@
             <p:ph type="ftr" sz="quarter" idx="11"/>
           </p:nvPr>
         </p:nvSpPr>
-        <p:spPr/>
+        <p:spPr>
+          <a:xfrm>
+            <a:off x="609600" y="6556248"/>
+            <a:ext cx="4876800" cy="228600"/>
+          </a:xfrm>
+        </p:spPr>
         <p:txBody>
           <a:bodyPr/>
-          <a:lstStyle/>
+          <a:lstStyle>
+            <a:extLst/>
+          </a:lstStyle>
           <a:p>
             <a:endParaRPr kumimoji="1" lang="ja-JP" altLang="en-US"/>
           </a:p>
@@ -653,10 +838,24 @@
             <p:ph type="sldNum" sz="quarter" idx="12"/>
           </p:nvPr>
         </p:nvSpPr>
-        <p:spPr/>
+        <p:spPr>
+          <a:xfrm>
+            <a:off x="8339328" y="6553200"/>
+            <a:ext cx="784448" cy="228600"/>
+          </a:xfrm>
+        </p:spPr>
         <p:txBody>
           <a:bodyPr/>
-          <a:lstStyle/>
+          <a:lstStyle>
+            <a:lvl1pPr>
+              <a:defRPr>
+                <a:solidFill>
+                  <a:schemeClr val="tx2"/>
+                </a:solidFill>
+              </a:defRPr>
+            </a:lvl1pPr>
+            <a:extLst/>
+          </a:lstStyle>
           <a:p>
             <a:fld id="{70A8A157-56DF-4B3D-9650-5955C7C8710E}" type="slidenum">
               <a:rPr kumimoji="1" lang="ja-JP" altLang="en-US" smtClean="0"/>
@@ -668,11 +867,6 @@
         </p:txBody>
       </p:sp>
     </p:spTree>
-    <p:extLst>
-      <p:ext uri="{BB962C8B-B14F-4D97-AF65-F5344CB8AC3E}">
-        <p14:creationId xmlns:p14="http://schemas.microsoft.com/office/powerpoint/2010/main" xmlns="" val="3852493858"/>
-      </p:ext>
-    </p:extLst>
   </p:cSld>
   <p:clrMapOvr>
     <a:masterClrMapping/>
@@ -710,13 +904,15 @@
         <p:spPr/>
         <p:txBody>
           <a:bodyPr/>
-          <a:lstStyle/>
-          <a:p>
-            <a:r>
-              <a:rPr lang="en-US" altLang="ja-JP"/>
+          <a:lstStyle>
+            <a:extLst/>
+          </a:lstStyle>
+          <a:p>
+            <a:r>
+              <a:rPr kumimoji="0" lang="en-US" smtClean="0"/>
               <a:t>Click to edit Master title style</a:t>
             </a:r>
-            <a:endParaRPr lang="en-US" dirty="0"/>
+            <a:endParaRPr kumimoji="0" lang="en-US"/>
           </a:p>
         </p:txBody>
       </p:sp>
@@ -733,42 +929,44 @@
         <p:spPr/>
         <p:txBody>
           <a:bodyPr/>
-          <a:lstStyle/>
-          <a:p>
-            <a:pPr lvl="0"/>
-            <a:r>
-              <a:rPr lang="en-US" altLang="ja-JP"/>
-              <a:t>Edit Master text styles</a:t>
-            </a:r>
-          </a:p>
-          <a:p>
-            <a:pPr lvl="1"/>
-            <a:r>
-              <a:rPr lang="en-US" altLang="ja-JP"/>
+          <a:lstStyle>
+            <a:extLst/>
+          </a:lstStyle>
+          <a:p>
+            <a:pPr lvl="0" eaLnBrk="1" latinLnBrk="0" hangingPunct="1"/>
+            <a:r>
+              <a:rPr lang="en-US" smtClean="0"/>
+              <a:t>Click to edit Master text styles</a:t>
+            </a:r>
+          </a:p>
+          <a:p>
+            <a:pPr lvl="1" eaLnBrk="1" latinLnBrk="0" hangingPunct="1"/>
+            <a:r>
+              <a:rPr lang="en-US" smtClean="0"/>
               <a:t>Second level</a:t>
             </a:r>
           </a:p>
           <a:p>
-            <a:pPr lvl="2"/>
-            <a:r>
-              <a:rPr lang="en-US" altLang="ja-JP"/>
+            <a:pPr lvl="2" eaLnBrk="1" latinLnBrk="0" hangingPunct="1"/>
+            <a:r>
+              <a:rPr lang="en-US" smtClean="0"/>
               <a:t>Third level</a:t>
             </a:r>
           </a:p>
           <a:p>
-            <a:pPr lvl="3"/>
-            <a:r>
-              <a:rPr lang="en-US" altLang="ja-JP"/>
+            <a:pPr lvl="3" eaLnBrk="1" latinLnBrk="0" hangingPunct="1"/>
+            <a:r>
+              <a:rPr lang="en-US" smtClean="0"/>
               <a:t>Fourth level</a:t>
             </a:r>
           </a:p>
           <a:p>
-            <a:pPr lvl="4"/>
-            <a:r>
-              <a:rPr lang="en-US" altLang="ja-JP"/>
+            <a:pPr lvl="4" eaLnBrk="1" latinLnBrk="0" hangingPunct="1"/>
+            <a:r>
+              <a:rPr lang="en-US" smtClean="0"/>
               <a:t>Fifth level</a:t>
             </a:r>
-            <a:endParaRPr lang="en-US" dirty="0"/>
+            <a:endParaRPr kumimoji="0" lang="en-US"/>
           </a:p>
         </p:txBody>
       </p:sp>
@@ -785,12 +983,14 @@
         <p:spPr/>
         <p:txBody>
           <a:bodyPr/>
-          <a:lstStyle/>
+          <a:lstStyle>
+            <a:extLst/>
+          </a:lstStyle>
           <a:p>
             <a:fld id="{7FCC5AE5-E495-4913-B643-A95A6AFABB00}" type="datetimeFigureOut">
               <a:rPr kumimoji="1" lang="ja-JP" altLang="en-US" smtClean="0"/>
               <a:pPr/>
-              <a:t>2022/8/24</a:t>
+              <a:t>2022/8/25</a:t>
             </a:fld>
             <a:endParaRPr kumimoji="1" lang="ja-JP" altLang="en-US"/>
           </a:p>
@@ -809,7 +1009,9 @@
         <p:spPr/>
         <p:txBody>
           <a:bodyPr/>
-          <a:lstStyle/>
+          <a:lstStyle>
+            <a:extLst/>
+          </a:lstStyle>
           <a:p>
             <a:endParaRPr kumimoji="1" lang="ja-JP" altLang="en-US"/>
           </a:p>
@@ -828,7 +1030,9 @@
         <p:spPr/>
         <p:txBody>
           <a:bodyPr/>
-          <a:lstStyle/>
+          <a:lstStyle>
+            <a:extLst/>
+          </a:lstStyle>
           <a:p>
             <a:fld id="{70A8A157-56DF-4B3D-9650-5955C7C8710E}" type="slidenum">
               <a:rPr kumimoji="1" lang="ja-JP" altLang="en-US" smtClean="0"/>
@@ -840,11 +1044,6 @@
         </p:txBody>
       </p:sp>
     </p:spTree>
-    <p:extLst>
-      <p:ext uri="{BB962C8B-B14F-4D97-AF65-F5344CB8AC3E}">
-        <p14:creationId xmlns:p14="http://schemas.microsoft.com/office/powerpoint/2010/main" xmlns="" val="282795843"/>
-      </p:ext>
-    </p:extLst>
   </p:cSld>
   <p:clrMapOvr>
     <a:masterClrMapping/>
@@ -855,6 +1054,11 @@
 <file path=ppt/slideLayouts/slideLayout3.xml><?xml version="1.0" encoding="utf-8"?>
 <p:sldLayout xmlns:a="http://schemas.openxmlformats.org/drawingml/2006/main" xmlns:r="http://schemas.openxmlformats.org/officeDocument/2006/relationships" xmlns:p="http://schemas.openxmlformats.org/presentationml/2006/main" type="secHead" preserve="1">
   <p:cSld name="Section Header">
+    <p:bg>
+      <p:bgRef idx="1001">
+        <a:schemeClr val="bg1"/>
+      </p:bgRef>
+    </p:bg>
     <p:spTree>
       <p:nvGrpSpPr>
         <p:cNvPr id="1" name=""/>
@@ -881,23 +1085,25 @@
         </p:nvSpPr>
         <p:spPr>
           <a:xfrm>
-            <a:off x="831850" y="1709738"/>
-            <a:ext cx="10515600" cy="2852737"/>
-          </a:xfrm>
-        </p:spPr>
-        <p:txBody>
-          <a:bodyPr anchor="b"/>
-          <a:lstStyle>
-            <a:lvl1pPr>
-              <a:defRPr sz="6000"/>
+            <a:off x="1422400" y="2821838"/>
+            <a:ext cx="8340651" cy="1362075"/>
+          </a:xfrm>
+        </p:spPr>
+        <p:txBody>
+          <a:bodyPr tIns="0" anchor="t"/>
+          <a:lstStyle>
+            <a:lvl1pPr algn="r">
+              <a:buNone/>
+              <a:defRPr sz="4200" b="1" cap="all"/>
             </a:lvl1pPr>
-          </a:lstStyle>
-          <a:p>
-            <a:r>
-              <a:rPr lang="en-US" altLang="ja-JP"/>
+            <a:extLst/>
+          </a:lstStyle>
+          <a:p>
+            <a:r>
+              <a:rPr kumimoji="0" lang="en-US" smtClean="0"/>
               <a:t>Click to edit Master title style</a:t>
             </a:r>
-            <a:endParaRPr lang="en-US" dirty="0"/>
+            <a:endParaRPr kumimoji="0" lang="en-US"/>
           </a:p>
         </p:txBody>
       </p:sp>
@@ -913,34 +1119,23 @@
         </p:nvSpPr>
         <p:spPr>
           <a:xfrm>
-            <a:off x="831850" y="4589463"/>
-            <a:ext cx="10515600" cy="1500187"/>
-          </a:xfrm>
-        </p:spPr>
-        <p:txBody>
-          <a:bodyPr/>
-          <a:lstStyle>
-            <a:lvl1pPr marL="0" indent="0">
-              <a:buNone/>
-              <a:defRPr sz="2400">
-                <a:solidFill>
-                  <a:schemeClr val="tx1">
-                    <a:tint val="75000"/>
-                  </a:schemeClr>
-                </a:solidFill>
-              </a:defRPr>
-            </a:lvl1pPr>
-            <a:lvl2pPr marL="457200" indent="0">
+            <a:off x="1422400" y="1905001"/>
+            <a:ext cx="8340651" cy="743507"/>
+          </a:xfrm>
+        </p:spPr>
+        <p:txBody>
+          <a:bodyPr anchor="b"/>
+          <a:lstStyle>
+            <a:lvl1pPr marL="0" indent="0" algn="r">
               <a:buNone/>
               <a:defRPr sz="2000">
                 <a:solidFill>
-                  <a:schemeClr val="tx1">
-                    <a:tint val="75000"/>
-                  </a:schemeClr>
+                  <a:schemeClr val="tx1"/>
                 </a:solidFill>
+                <a:effectLst/>
               </a:defRPr>
-            </a:lvl2pPr>
-            <a:lvl3pPr marL="914400" indent="0">
+            </a:lvl1pPr>
+            <a:lvl2pPr>
               <a:buNone/>
               <a:defRPr sz="1800">
                 <a:solidFill>
@@ -949,8 +1144,8 @@
                   </a:schemeClr>
                 </a:solidFill>
               </a:defRPr>
-            </a:lvl3pPr>
-            <a:lvl4pPr marL="1371600" indent="0">
+            </a:lvl2pPr>
+            <a:lvl3pPr>
               <a:buNone/>
               <a:defRPr sz="1600">
                 <a:solidFill>
@@ -959,10 +1154,20 @@
                   </a:schemeClr>
                 </a:solidFill>
               </a:defRPr>
+            </a:lvl3pPr>
+            <a:lvl4pPr>
+              <a:buNone/>
+              <a:defRPr sz="1400">
+                <a:solidFill>
+                  <a:schemeClr val="tx1">
+                    <a:tint val="75000"/>
+                  </a:schemeClr>
+                </a:solidFill>
+              </a:defRPr>
             </a:lvl4pPr>
-            <a:lvl5pPr marL="1828800" indent="0">
+            <a:lvl5pPr>
               <a:buNone/>
-              <a:defRPr sz="1600">
+              <a:defRPr sz="1400">
                 <a:solidFill>
                   <a:schemeClr val="tx1">
                     <a:tint val="75000"/>
@@ -970,75 +1175,50 @@
                 </a:solidFill>
               </a:defRPr>
             </a:lvl5pPr>
-            <a:lvl6pPr marL="2286000" indent="0">
-              <a:buNone/>
-              <a:defRPr sz="1600">
+            <a:extLst/>
+          </a:lstStyle>
+          <a:p>
+            <a:pPr lvl="0" eaLnBrk="1" latinLnBrk="0" hangingPunct="1"/>
+            <a:r>
+              <a:rPr kumimoji="0" lang="en-US" smtClean="0"/>
+              <a:t>Click to edit Master text styles</a:t>
+            </a:r>
+          </a:p>
+        </p:txBody>
+      </p:sp>
+      <p:sp>
+        <p:nvSpPr>
+          <p:cNvPr id="4" name="Date Placeholder 3"/>
+          <p:cNvSpPr>
+            <a:spLocks noGrp="1"/>
+          </p:cNvSpPr>
+          <p:nvPr>
+            <p:ph type="dt" sz="half" idx="10"/>
+          </p:nvPr>
+        </p:nvSpPr>
+        <p:spPr>
+          <a:xfrm>
+            <a:off x="6298984" y="6556810"/>
+            <a:ext cx="2669952" cy="226902"/>
+          </a:xfrm>
+        </p:spPr>
+        <p:txBody>
+          <a:bodyPr bIns="0" anchor="b"/>
+          <a:lstStyle>
+            <a:lvl1pPr>
+              <a:defRPr>
                 <a:solidFill>
-                  <a:schemeClr val="tx1">
-                    <a:tint val="75000"/>
-                  </a:schemeClr>
+                  <a:schemeClr val="tx2"/>
                 </a:solidFill>
               </a:defRPr>
-            </a:lvl6pPr>
-            <a:lvl7pPr marL="2743200" indent="0">
-              <a:buNone/>
-              <a:defRPr sz="1600">
-                <a:solidFill>
-                  <a:schemeClr val="tx1">
-                    <a:tint val="75000"/>
-                  </a:schemeClr>
-                </a:solidFill>
-              </a:defRPr>
-            </a:lvl7pPr>
-            <a:lvl8pPr marL="3200400" indent="0">
-              <a:buNone/>
-              <a:defRPr sz="1600">
-                <a:solidFill>
-                  <a:schemeClr val="tx1">
-                    <a:tint val="75000"/>
-                  </a:schemeClr>
-                </a:solidFill>
-              </a:defRPr>
-            </a:lvl8pPr>
-            <a:lvl9pPr marL="3657600" indent="0">
-              <a:buNone/>
-              <a:defRPr sz="1600">
-                <a:solidFill>
-                  <a:schemeClr val="tx1">
-                    <a:tint val="75000"/>
-                  </a:schemeClr>
-                </a:solidFill>
-              </a:defRPr>
-            </a:lvl9pPr>
-          </a:lstStyle>
-          <a:p>
-            <a:pPr lvl="0"/>
-            <a:r>
-              <a:rPr lang="en-US" altLang="ja-JP"/>
-              <a:t>Edit Master text styles</a:t>
-            </a:r>
-          </a:p>
-        </p:txBody>
-      </p:sp>
-      <p:sp>
-        <p:nvSpPr>
-          <p:cNvPr id="4" name="Date Placeholder 3"/>
-          <p:cNvSpPr>
-            <a:spLocks noGrp="1"/>
-          </p:cNvSpPr>
-          <p:nvPr>
-            <p:ph type="dt" sz="half" idx="10"/>
-          </p:nvPr>
-        </p:nvSpPr>
-        <p:spPr/>
-        <p:txBody>
-          <a:bodyPr/>
-          <a:lstStyle/>
+            </a:lvl1pPr>
+            <a:extLst/>
+          </a:lstStyle>
           <a:p>
             <a:fld id="{7FCC5AE5-E495-4913-B643-A95A6AFABB00}" type="datetimeFigureOut">
               <a:rPr kumimoji="1" lang="ja-JP" altLang="en-US" smtClean="0"/>
               <a:pPr/>
-              <a:t>2022/8/24</a:t>
+              <a:t>2022/8/25</a:t>
             </a:fld>
             <a:endParaRPr kumimoji="1" lang="ja-JP" altLang="en-US"/>
           </a:p>
@@ -1054,29 +1234,50 @@
             <p:ph type="ftr" sz="quarter" idx="11"/>
           </p:nvPr>
         </p:nvSpPr>
-        <p:spPr/>
+        <p:spPr>
+          <a:xfrm>
+            <a:off x="2313811" y="6556810"/>
+            <a:ext cx="3860800" cy="228600"/>
+          </a:xfrm>
+        </p:spPr>
+        <p:txBody>
+          <a:bodyPr bIns="0" anchor="b"/>
+          <a:lstStyle>
+            <a:lvl1pPr>
+              <a:defRPr>
+                <a:solidFill>
+                  <a:schemeClr val="tx2"/>
+                </a:solidFill>
+              </a:defRPr>
+            </a:lvl1pPr>
+            <a:extLst/>
+          </a:lstStyle>
+          <a:p>
+            <a:endParaRPr kumimoji="1" lang="ja-JP" altLang="en-US"/>
+          </a:p>
+        </p:txBody>
+      </p:sp>
+      <p:sp>
+        <p:nvSpPr>
+          <p:cNvPr id="6" name="Slide Number Placeholder 5"/>
+          <p:cNvSpPr>
+            <a:spLocks noGrp="1"/>
+          </p:cNvSpPr>
+          <p:nvPr>
+            <p:ph type="sldNum" sz="quarter" idx="12"/>
+          </p:nvPr>
+        </p:nvSpPr>
+        <p:spPr>
+          <a:xfrm>
+            <a:off x="8978603" y="6555112"/>
+            <a:ext cx="784448" cy="228600"/>
+          </a:xfrm>
+        </p:spPr>
         <p:txBody>
           <a:bodyPr/>
-          <a:lstStyle/>
-          <a:p>
-            <a:endParaRPr kumimoji="1" lang="ja-JP" altLang="en-US"/>
-          </a:p>
-        </p:txBody>
-      </p:sp>
-      <p:sp>
-        <p:nvSpPr>
-          <p:cNvPr id="6" name="Slide Number Placeholder 5"/>
-          <p:cNvSpPr>
-            <a:spLocks noGrp="1"/>
-          </p:cNvSpPr>
-          <p:nvPr>
-            <p:ph type="sldNum" sz="quarter" idx="12"/>
-          </p:nvPr>
-        </p:nvSpPr>
-        <p:spPr/>
-        <p:txBody>
-          <a:bodyPr/>
-          <a:lstStyle/>
+          <a:lstStyle>
+            <a:extLst/>
+          </a:lstStyle>
           <a:p>
             <a:fld id="{70A8A157-56DF-4B3D-9650-5955C7C8710E}" type="slidenum">
               <a:rPr kumimoji="1" lang="ja-JP" altLang="en-US" smtClean="0"/>
@@ -1088,14 +1289,9 @@
         </p:txBody>
       </p:sp>
     </p:spTree>
-    <p:extLst>
-      <p:ext uri="{BB962C8B-B14F-4D97-AF65-F5344CB8AC3E}">
-        <p14:creationId xmlns:p14="http://schemas.microsoft.com/office/powerpoint/2010/main" xmlns="" val="1315004973"/>
-      </p:ext>
-    </p:extLst>
   </p:cSld>
   <p:clrMapOvr>
-    <a:masterClrMapping/>
+    <a:overrideClrMapping bg1="lt1" tx1="dk1" bg2="lt2" tx2="dk2" accent1="accent1" accent2="accent2" accent3="accent3" accent4="accent4" accent5="accent5" accent6="accent6" hlink="hlink" folHlink="folHlink"/>
   </p:clrMapOvr>
 </p:sldLayout>
 </file>
@@ -1127,152 +1323,195 @@
             <p:ph type="title"/>
           </p:nvPr>
         </p:nvSpPr>
-        <p:spPr/>
-        <p:txBody>
-          <a:bodyPr/>
-          <a:lstStyle/>
-          <a:p>
-            <a:r>
-              <a:rPr lang="en-US" altLang="ja-JP"/>
-              <a:t>Click to edit Master title style</a:t>
-            </a:r>
-            <a:endParaRPr lang="en-US" dirty="0"/>
-          </a:p>
-        </p:txBody>
-      </p:sp>
-      <p:sp>
-        <p:nvSpPr>
-          <p:cNvPr id="3" name="Content Placeholder 2"/>
-          <p:cNvSpPr>
-            <a:spLocks noGrp="1"/>
-          </p:cNvSpPr>
-          <p:nvPr>
-            <p:ph sz="half" idx="1"/>
-          </p:nvPr>
-        </p:nvSpPr>
         <p:spPr>
           <a:xfrm>
-            <a:off x="838200" y="1825625"/>
-            <a:ext cx="5181600" cy="4351338"/>
+            <a:off x="609600" y="320040"/>
+            <a:ext cx="9656064" cy="1143000"/>
           </a:xfrm>
         </p:spPr>
         <p:txBody>
           <a:bodyPr/>
-          <a:lstStyle/>
-          <a:p>
-            <a:pPr lvl="0"/>
-            <a:r>
-              <a:rPr lang="en-US" altLang="ja-JP"/>
-              <a:t>Edit Master text styles</a:t>
-            </a:r>
-          </a:p>
-          <a:p>
-            <a:pPr lvl="1"/>
-            <a:r>
-              <a:rPr lang="en-US" altLang="ja-JP"/>
-              <a:t>Second level</a:t>
-            </a:r>
-          </a:p>
-          <a:p>
-            <a:pPr lvl="2"/>
-            <a:r>
-              <a:rPr lang="en-US" altLang="ja-JP"/>
-              <a:t>Third level</a:t>
-            </a:r>
-          </a:p>
-          <a:p>
-            <a:pPr lvl="3"/>
-            <a:r>
-              <a:rPr lang="en-US" altLang="ja-JP"/>
-              <a:t>Fourth level</a:t>
-            </a:r>
-          </a:p>
-          <a:p>
-            <a:pPr lvl="4"/>
-            <a:r>
-              <a:rPr lang="en-US" altLang="ja-JP"/>
-              <a:t>Fifth level</a:t>
-            </a:r>
-            <a:endParaRPr lang="en-US" dirty="0"/>
-          </a:p>
-        </p:txBody>
-      </p:sp>
-      <p:sp>
-        <p:nvSpPr>
-          <p:cNvPr id="4" name="Content Placeholder 3"/>
-          <p:cNvSpPr>
-            <a:spLocks noGrp="1"/>
-          </p:cNvSpPr>
-          <p:nvPr>
-            <p:ph sz="half" idx="2"/>
+          <a:lstStyle>
+            <a:extLst/>
+          </a:lstStyle>
+          <a:p>
+            <a:r>
+              <a:rPr kumimoji="0" lang="en-US" smtClean="0"/>
+              <a:t>Click to edit Master title style</a:t>
+            </a:r>
+            <a:endParaRPr kumimoji="0" lang="en-US"/>
+          </a:p>
+        </p:txBody>
+      </p:sp>
+      <p:sp>
+        <p:nvSpPr>
+          <p:cNvPr id="3" name="Content Placeholder 2"/>
+          <p:cNvSpPr>
+            <a:spLocks noGrp="1"/>
+          </p:cNvSpPr>
+          <p:nvPr>
+            <p:ph sz="half" idx="1"/>
           </p:nvPr>
         </p:nvSpPr>
         <p:spPr>
           <a:xfrm>
-            <a:off x="6172200" y="1825625"/>
-            <a:ext cx="5181600" cy="4351338"/>
-          </a:xfrm>
-        </p:spPr>
+            <a:off x="609600" y="1600201"/>
+            <a:ext cx="4693920" cy="4525963"/>
+          </a:xfrm>
+        </p:spPr>
+        <p:txBody>
+          <a:bodyPr anchor="t"/>
+          <a:lstStyle>
+            <a:lvl1pPr>
+              <a:defRPr sz="2800"/>
+            </a:lvl1pPr>
+            <a:lvl2pPr>
+              <a:defRPr sz="2400"/>
+            </a:lvl2pPr>
+            <a:lvl3pPr>
+              <a:defRPr sz="2000"/>
+            </a:lvl3pPr>
+            <a:lvl4pPr>
+              <a:defRPr sz="1800"/>
+            </a:lvl4pPr>
+            <a:lvl5pPr>
+              <a:defRPr sz="1800"/>
+            </a:lvl5pPr>
+            <a:extLst/>
+          </a:lstStyle>
+          <a:p>
+            <a:pPr lvl="0" eaLnBrk="1" latinLnBrk="0" hangingPunct="1"/>
+            <a:r>
+              <a:rPr lang="en-US" smtClean="0"/>
+              <a:t>Click to edit Master text styles</a:t>
+            </a:r>
+          </a:p>
+          <a:p>
+            <a:pPr lvl="1" eaLnBrk="1" latinLnBrk="0" hangingPunct="1"/>
+            <a:r>
+              <a:rPr lang="en-US" smtClean="0"/>
+              <a:t>Second level</a:t>
+            </a:r>
+          </a:p>
+          <a:p>
+            <a:pPr lvl="2" eaLnBrk="1" latinLnBrk="0" hangingPunct="1"/>
+            <a:r>
+              <a:rPr lang="en-US" smtClean="0"/>
+              <a:t>Third level</a:t>
+            </a:r>
+          </a:p>
+          <a:p>
+            <a:pPr lvl="3" eaLnBrk="1" latinLnBrk="0" hangingPunct="1"/>
+            <a:r>
+              <a:rPr lang="en-US" smtClean="0"/>
+              <a:t>Fourth level</a:t>
+            </a:r>
+          </a:p>
+          <a:p>
+            <a:pPr lvl="4" eaLnBrk="1" latinLnBrk="0" hangingPunct="1"/>
+            <a:r>
+              <a:rPr lang="en-US" smtClean="0"/>
+              <a:t>Fifth level</a:t>
+            </a:r>
+            <a:endParaRPr kumimoji="0" lang="en-US"/>
+          </a:p>
+        </p:txBody>
+      </p:sp>
+      <p:sp>
+        <p:nvSpPr>
+          <p:cNvPr id="4" name="Content Placeholder 3"/>
+          <p:cNvSpPr>
+            <a:spLocks noGrp="1"/>
+          </p:cNvSpPr>
+          <p:nvPr>
+            <p:ph sz="half" idx="2"/>
+          </p:nvPr>
+        </p:nvSpPr>
+        <p:spPr>
+          <a:xfrm>
+            <a:off x="5571744" y="1600201"/>
+            <a:ext cx="4693920" cy="4525963"/>
+          </a:xfrm>
+        </p:spPr>
+        <p:txBody>
+          <a:bodyPr anchor="t"/>
+          <a:lstStyle>
+            <a:lvl1pPr>
+              <a:defRPr sz="2800"/>
+            </a:lvl1pPr>
+            <a:lvl2pPr>
+              <a:defRPr sz="2400"/>
+            </a:lvl2pPr>
+            <a:lvl3pPr>
+              <a:defRPr sz="2000"/>
+            </a:lvl3pPr>
+            <a:lvl4pPr>
+              <a:defRPr sz="1800"/>
+            </a:lvl4pPr>
+            <a:lvl5pPr>
+              <a:defRPr sz="1800"/>
+            </a:lvl5pPr>
+            <a:extLst/>
+          </a:lstStyle>
+          <a:p>
+            <a:pPr lvl="0" eaLnBrk="1" latinLnBrk="0" hangingPunct="1"/>
+            <a:r>
+              <a:rPr lang="en-US" smtClean="0"/>
+              <a:t>Click to edit Master text styles</a:t>
+            </a:r>
+          </a:p>
+          <a:p>
+            <a:pPr lvl="1" eaLnBrk="1" latinLnBrk="0" hangingPunct="1"/>
+            <a:r>
+              <a:rPr lang="en-US" smtClean="0"/>
+              <a:t>Second level</a:t>
+            </a:r>
+          </a:p>
+          <a:p>
+            <a:pPr lvl="2" eaLnBrk="1" latinLnBrk="0" hangingPunct="1"/>
+            <a:r>
+              <a:rPr lang="en-US" smtClean="0"/>
+              <a:t>Third level</a:t>
+            </a:r>
+          </a:p>
+          <a:p>
+            <a:pPr lvl="3" eaLnBrk="1" latinLnBrk="0" hangingPunct="1"/>
+            <a:r>
+              <a:rPr lang="en-US" smtClean="0"/>
+              <a:t>Fourth level</a:t>
+            </a:r>
+          </a:p>
+          <a:p>
+            <a:pPr lvl="4" eaLnBrk="1" latinLnBrk="0" hangingPunct="1"/>
+            <a:r>
+              <a:rPr lang="en-US" smtClean="0"/>
+              <a:t>Fifth level</a:t>
+            </a:r>
+            <a:endParaRPr kumimoji="0" lang="en-US"/>
+          </a:p>
+        </p:txBody>
+      </p:sp>
+      <p:sp>
+        <p:nvSpPr>
+          <p:cNvPr id="5" name="Date Placeholder 4"/>
+          <p:cNvSpPr>
+            <a:spLocks noGrp="1"/>
+          </p:cNvSpPr>
+          <p:nvPr>
+            <p:ph type="dt" sz="half" idx="10"/>
+          </p:nvPr>
+        </p:nvSpPr>
+        <p:spPr/>
         <p:txBody>
           <a:bodyPr/>
-          <a:lstStyle/>
-          <a:p>
-            <a:pPr lvl="0"/>
-            <a:r>
-              <a:rPr lang="en-US" altLang="ja-JP"/>
-              <a:t>Edit Master text styles</a:t>
-            </a:r>
-          </a:p>
-          <a:p>
-            <a:pPr lvl="1"/>
-            <a:r>
-              <a:rPr lang="en-US" altLang="ja-JP"/>
-              <a:t>Second level</a:t>
-            </a:r>
-          </a:p>
-          <a:p>
-            <a:pPr lvl="2"/>
-            <a:r>
-              <a:rPr lang="en-US" altLang="ja-JP"/>
-              <a:t>Third level</a:t>
-            </a:r>
-          </a:p>
-          <a:p>
-            <a:pPr lvl="3"/>
-            <a:r>
-              <a:rPr lang="en-US" altLang="ja-JP"/>
-              <a:t>Fourth level</a:t>
-            </a:r>
-          </a:p>
-          <a:p>
-            <a:pPr lvl="4"/>
-            <a:r>
-              <a:rPr lang="en-US" altLang="ja-JP"/>
-              <a:t>Fifth level</a:t>
-            </a:r>
-            <a:endParaRPr lang="en-US" dirty="0"/>
-          </a:p>
-        </p:txBody>
-      </p:sp>
-      <p:sp>
-        <p:nvSpPr>
-          <p:cNvPr id="5" name="Date Placeholder 4"/>
-          <p:cNvSpPr>
-            <a:spLocks noGrp="1"/>
-          </p:cNvSpPr>
-          <p:nvPr>
-            <p:ph type="dt" sz="half" idx="10"/>
-          </p:nvPr>
-        </p:nvSpPr>
-        <p:spPr/>
-        <p:txBody>
-          <a:bodyPr/>
-          <a:lstStyle/>
+          <a:lstStyle>
+            <a:extLst/>
+          </a:lstStyle>
           <a:p>
             <a:fld id="{7FCC5AE5-E495-4913-B643-A95A6AFABB00}" type="datetimeFigureOut">
               <a:rPr kumimoji="1" lang="ja-JP" altLang="en-US" smtClean="0"/>
               <a:pPr/>
-              <a:t>2022/8/24</a:t>
+              <a:t>2022/8/25</a:t>
             </a:fld>
             <a:endParaRPr kumimoji="1" lang="ja-JP" altLang="en-US"/>
           </a:p>
@@ -1291,7 +1530,9 @@
         <p:spPr/>
         <p:txBody>
           <a:bodyPr/>
-          <a:lstStyle/>
+          <a:lstStyle>
+            <a:extLst/>
+          </a:lstStyle>
           <a:p>
             <a:endParaRPr kumimoji="1" lang="ja-JP" altLang="en-US"/>
           </a:p>
@@ -1310,7 +1551,9 @@
         <p:spPr/>
         <p:txBody>
           <a:bodyPr/>
-          <a:lstStyle/>
+          <a:lstStyle>
+            <a:extLst/>
+          </a:lstStyle>
           <a:p>
             <a:fld id="{70A8A157-56DF-4B3D-9650-5955C7C8710E}" type="slidenum">
               <a:rPr kumimoji="1" lang="ja-JP" altLang="en-US" smtClean="0"/>
@@ -1322,11 +1565,6 @@
         </p:txBody>
       </p:sp>
     </p:spTree>
-    <p:extLst>
-      <p:ext uri="{BB962C8B-B14F-4D97-AF65-F5344CB8AC3E}">
-        <p14:creationId xmlns:p14="http://schemas.microsoft.com/office/powerpoint/2010/main" xmlns="" val="3048296005"/>
-      </p:ext>
-    </p:extLst>
   </p:cSld>
   <p:clrMapOvr>
     <a:masterClrMapping/>
@@ -1363,19 +1601,24 @@
         </p:nvSpPr>
         <p:spPr>
           <a:xfrm>
-            <a:off x="839788" y="365125"/>
-            <a:ext cx="10515600" cy="1325563"/>
-          </a:xfrm>
-        </p:spPr>
-        <p:txBody>
-          <a:bodyPr/>
-          <a:lstStyle/>
-          <a:p>
-            <a:r>
-              <a:rPr lang="en-US" altLang="ja-JP"/>
+            <a:off x="609600" y="320040"/>
+            <a:ext cx="9656064" cy="1143000"/>
+          </a:xfrm>
+        </p:spPr>
+        <p:txBody>
+          <a:bodyPr anchor="b"/>
+          <a:lstStyle>
+            <a:lvl1pPr>
+              <a:defRPr/>
+            </a:lvl1pPr>
+            <a:extLst/>
+          </a:lstStyle>
+          <a:p>
+            <a:r>
+              <a:rPr kumimoji="0" lang="en-US" smtClean="0"/>
               <a:t>Click to edit Master title style</a:t>
             </a:r>
-            <a:endParaRPr lang="en-US" dirty="0"/>
+            <a:endParaRPr kumimoji="0" lang="en-US"/>
           </a:p>
         </p:txBody>
       </p:sp>
@@ -1391,235 +1634,293 @@
         </p:nvSpPr>
         <p:spPr>
           <a:xfrm>
-            <a:off x="839788" y="1681163"/>
-            <a:ext cx="5157787" cy="823912"/>
-          </a:xfrm>
-        </p:spPr>
-        <p:txBody>
-          <a:bodyPr anchor="b"/>
-          <a:lstStyle>
-            <a:lvl1pPr marL="0" indent="0">
+            <a:off x="609600" y="5867400"/>
+            <a:ext cx="4693920" cy="457200"/>
+          </a:xfrm>
+          <a:noFill/>
+          <a:ln w="12700" cap="flat" cmpd="sng" algn="ctr">
+            <a:solidFill>
+              <a:schemeClr val="tx2"/>
+            </a:solidFill>
+            <a:prstDash val="solid"/>
+          </a:ln>
+          <a:effectLst/>
+        </p:spPr>
+        <p:style>
+          <a:lnRef idx="1">
+            <a:schemeClr val="accent1"/>
+          </a:lnRef>
+          <a:fillRef idx="3">
+            <a:schemeClr val="accent1"/>
+          </a:fillRef>
+          <a:effectRef idx="2">
+            <a:schemeClr val="accent1"/>
+          </a:effectRef>
+          <a:fontRef idx="minor">
+            <a:schemeClr val="lt1"/>
+          </a:fontRef>
+        </p:style>
+        <p:txBody>
+          <a:bodyPr anchor="ctr"/>
+          <a:lstStyle>
+            <a:lvl1pPr marL="0" indent="0" algn="ctr">
               <a:buNone/>
-              <a:defRPr sz="2400" b="1"/>
+              <a:defRPr sz="1800" b="1">
+                <a:solidFill>
+                  <a:schemeClr val="tx2"/>
+                </a:solidFill>
+                <a:effectLst/>
+              </a:defRPr>
             </a:lvl1pPr>
-            <a:lvl2pPr marL="457200" indent="0">
+            <a:lvl2pPr>
               <a:buNone/>
               <a:defRPr sz="2000" b="1"/>
             </a:lvl2pPr>
-            <a:lvl3pPr marL="914400" indent="0">
+            <a:lvl3pPr>
               <a:buNone/>
               <a:defRPr sz="1800" b="1"/>
             </a:lvl3pPr>
-            <a:lvl4pPr marL="1371600" indent="0">
+            <a:lvl4pPr>
               <a:buNone/>
               <a:defRPr sz="1600" b="1"/>
             </a:lvl4pPr>
-            <a:lvl5pPr marL="1828800" indent="0">
+            <a:lvl5pPr>
               <a:buNone/>
               <a:defRPr sz="1600" b="1"/>
             </a:lvl5pPr>
-            <a:lvl6pPr marL="2286000" indent="0">
-              <a:buNone/>
-              <a:defRPr sz="1600" b="1"/>
-            </a:lvl6pPr>
-            <a:lvl7pPr marL="2743200" indent="0">
-              <a:buNone/>
-              <a:defRPr sz="1600" b="1"/>
-            </a:lvl7pPr>
-            <a:lvl8pPr marL="3200400" indent="0">
-              <a:buNone/>
-              <a:defRPr sz="1600" b="1"/>
-            </a:lvl8pPr>
-            <a:lvl9pPr marL="3657600" indent="0">
-              <a:buNone/>
-              <a:defRPr sz="1600" b="1"/>
-            </a:lvl9pPr>
-          </a:lstStyle>
-          <a:p>
-            <a:pPr lvl="0"/>
-            <a:r>
-              <a:rPr lang="en-US" altLang="ja-JP"/>
-              <a:t>Edit Master text styles</a:t>
-            </a:r>
-          </a:p>
-        </p:txBody>
-      </p:sp>
-      <p:sp>
-        <p:nvSpPr>
-          <p:cNvPr id="4" name="Content Placeholder 3"/>
-          <p:cNvSpPr>
-            <a:spLocks noGrp="1"/>
-          </p:cNvSpPr>
-          <p:nvPr>
-            <p:ph sz="half" idx="2"/>
+            <a:extLst/>
+          </a:lstStyle>
+          <a:p>
+            <a:pPr lvl="0" eaLnBrk="1" latinLnBrk="0" hangingPunct="1"/>
+            <a:r>
+              <a:rPr kumimoji="0" lang="en-US" smtClean="0"/>
+              <a:t>Click to edit Master text styles</a:t>
+            </a:r>
+          </a:p>
+        </p:txBody>
+      </p:sp>
+      <p:sp>
+        <p:nvSpPr>
+          <p:cNvPr id="4" name="Text Placeholder 3"/>
+          <p:cNvSpPr>
+            <a:spLocks noGrp="1"/>
+          </p:cNvSpPr>
+          <p:nvPr>
+            <p:ph type="body" sz="half" idx="3"/>
           </p:nvPr>
         </p:nvSpPr>
         <p:spPr>
           <a:xfrm>
-            <a:off x="839788" y="2505075"/>
-            <a:ext cx="5157787" cy="3684588"/>
-          </a:xfrm>
-        </p:spPr>
-        <p:txBody>
-          <a:bodyPr/>
-          <a:lstStyle/>
-          <a:p>
-            <a:pPr lvl="0"/>
-            <a:r>
-              <a:rPr lang="en-US" altLang="ja-JP"/>
-              <a:t>Edit Master text styles</a:t>
-            </a:r>
-          </a:p>
-          <a:p>
-            <a:pPr lvl="1"/>
-            <a:r>
-              <a:rPr lang="en-US" altLang="ja-JP"/>
-              <a:t>Second level</a:t>
-            </a:r>
-          </a:p>
-          <a:p>
-            <a:pPr lvl="2"/>
-            <a:r>
-              <a:rPr lang="en-US" altLang="ja-JP"/>
-              <a:t>Third level</a:t>
-            </a:r>
-          </a:p>
-          <a:p>
-            <a:pPr lvl="3"/>
-            <a:r>
-              <a:rPr lang="en-US" altLang="ja-JP"/>
-              <a:t>Fourth level</a:t>
-            </a:r>
-          </a:p>
-          <a:p>
-            <a:pPr lvl="4"/>
-            <a:r>
-              <a:rPr lang="en-US" altLang="ja-JP"/>
-              <a:t>Fifth level</a:t>
-            </a:r>
-            <a:endParaRPr lang="en-US" dirty="0"/>
-          </a:p>
-        </p:txBody>
-      </p:sp>
-      <p:sp>
-        <p:nvSpPr>
-          <p:cNvPr id="5" name="Text Placeholder 4"/>
-          <p:cNvSpPr>
-            <a:spLocks noGrp="1"/>
-          </p:cNvSpPr>
-          <p:nvPr>
-            <p:ph type="body" sz="quarter" idx="3"/>
-          </p:nvPr>
-        </p:nvSpPr>
-        <p:spPr>
-          <a:xfrm>
-            <a:off x="6172200" y="1681163"/>
-            <a:ext cx="5183188" cy="823912"/>
-          </a:xfrm>
-        </p:spPr>
-        <p:txBody>
-          <a:bodyPr anchor="b"/>
-          <a:lstStyle>
-            <a:lvl1pPr marL="0" indent="0">
+            <a:off x="5571744" y="5867400"/>
+            <a:ext cx="4693920" cy="457200"/>
+          </a:xfrm>
+          <a:noFill/>
+          <a:ln w="12700" cap="flat" cmpd="sng" algn="ctr">
+            <a:solidFill>
+              <a:schemeClr val="tx2"/>
+            </a:solidFill>
+            <a:prstDash val="solid"/>
+          </a:ln>
+          <a:effectLst/>
+        </p:spPr>
+        <p:style>
+          <a:lnRef idx="1">
+            <a:schemeClr val="accent2"/>
+          </a:lnRef>
+          <a:fillRef idx="3">
+            <a:schemeClr val="accent2"/>
+          </a:fillRef>
+          <a:effectRef idx="2">
+            <a:schemeClr val="accent2"/>
+          </a:effectRef>
+          <a:fontRef idx="minor">
+            <a:schemeClr val="lt1"/>
+          </a:fontRef>
+        </p:style>
+        <p:txBody>
+          <a:bodyPr anchor="ctr"/>
+          <a:lstStyle>
+            <a:lvl1pPr marL="0" indent="0" algn="ctr">
               <a:buNone/>
-              <a:defRPr sz="2400" b="1"/>
+              <a:defRPr sz="1800" b="1">
+                <a:solidFill>
+                  <a:schemeClr val="tx2"/>
+                </a:solidFill>
+                <a:effectLst/>
+              </a:defRPr>
             </a:lvl1pPr>
-            <a:lvl2pPr marL="457200" indent="0">
+            <a:lvl2pPr>
               <a:buNone/>
               <a:defRPr sz="2000" b="1"/>
             </a:lvl2pPr>
-            <a:lvl3pPr marL="914400" indent="0">
+            <a:lvl3pPr>
               <a:buNone/>
               <a:defRPr sz="1800" b="1"/>
             </a:lvl3pPr>
-            <a:lvl4pPr marL="1371600" indent="0">
+            <a:lvl4pPr>
               <a:buNone/>
               <a:defRPr sz="1600" b="1"/>
             </a:lvl4pPr>
-            <a:lvl5pPr marL="1828800" indent="0">
+            <a:lvl5pPr>
               <a:buNone/>
               <a:defRPr sz="1600" b="1"/>
             </a:lvl5pPr>
-            <a:lvl6pPr marL="2286000" indent="0">
-              <a:buNone/>
-              <a:defRPr sz="1600" b="1"/>
-            </a:lvl6pPr>
-            <a:lvl7pPr marL="2743200" indent="0">
-              <a:buNone/>
-              <a:defRPr sz="1600" b="1"/>
-            </a:lvl7pPr>
-            <a:lvl8pPr marL="3200400" indent="0">
-              <a:buNone/>
-              <a:defRPr sz="1600" b="1"/>
-            </a:lvl8pPr>
-            <a:lvl9pPr marL="3657600" indent="0">
-              <a:buNone/>
-              <a:defRPr sz="1600" b="1"/>
-            </a:lvl9pPr>
-          </a:lstStyle>
-          <a:p>
-            <a:pPr lvl="0"/>
-            <a:r>
-              <a:rPr lang="en-US" altLang="ja-JP"/>
-              <a:t>Edit Master text styles</a:t>
-            </a:r>
-          </a:p>
-        </p:txBody>
-      </p:sp>
-      <p:sp>
-        <p:nvSpPr>
-          <p:cNvPr id="6" name="Content Placeholder 5"/>
-          <p:cNvSpPr>
-            <a:spLocks noGrp="1"/>
-          </p:cNvSpPr>
-          <p:nvPr>
-            <p:ph sz="quarter" idx="4"/>
+            <a:extLst/>
+          </a:lstStyle>
+          <a:p>
+            <a:pPr lvl="0" eaLnBrk="1" latinLnBrk="0" hangingPunct="1"/>
+            <a:r>
+              <a:rPr kumimoji="0" lang="en-US" smtClean="0"/>
+              <a:t>Click to edit Master text styles</a:t>
+            </a:r>
+          </a:p>
+        </p:txBody>
+      </p:sp>
+      <p:sp>
+        <p:nvSpPr>
+          <p:cNvPr id="5" name="Content Placeholder 4"/>
+          <p:cNvSpPr>
+            <a:spLocks noGrp="1"/>
+          </p:cNvSpPr>
+          <p:nvPr>
+            <p:ph sz="quarter" idx="2"/>
           </p:nvPr>
         </p:nvSpPr>
         <p:spPr>
           <a:xfrm>
-            <a:off x="6172200" y="2505075"/>
-            <a:ext cx="5183188" cy="3684588"/>
+            <a:off x="609600" y="1711840"/>
+            <a:ext cx="4693920" cy="4114800"/>
           </a:xfrm>
         </p:spPr>
         <p:txBody>
           <a:bodyPr/>
-          <a:lstStyle/>
-          <a:p>
-            <a:pPr lvl="0"/>
-            <a:r>
-              <a:rPr lang="en-US" altLang="ja-JP"/>
-              <a:t>Edit Master text styles</a:t>
-            </a:r>
-          </a:p>
-          <a:p>
-            <a:pPr lvl="1"/>
-            <a:r>
-              <a:rPr lang="en-US" altLang="ja-JP"/>
+          <a:lstStyle>
+            <a:lvl1pPr>
+              <a:defRPr sz="2400"/>
+            </a:lvl1pPr>
+            <a:lvl2pPr>
+              <a:defRPr sz="2000"/>
+            </a:lvl2pPr>
+            <a:lvl3pPr>
+              <a:defRPr sz="1800"/>
+            </a:lvl3pPr>
+            <a:lvl4pPr>
+              <a:defRPr sz="1600"/>
+            </a:lvl4pPr>
+            <a:lvl5pPr>
+              <a:defRPr sz="1600"/>
+            </a:lvl5pPr>
+            <a:extLst/>
+          </a:lstStyle>
+          <a:p>
+            <a:pPr lvl="0" eaLnBrk="1" latinLnBrk="0" hangingPunct="1"/>
+            <a:r>
+              <a:rPr lang="en-US" smtClean="0"/>
+              <a:t>Click to edit Master text styles</a:t>
+            </a:r>
+          </a:p>
+          <a:p>
+            <a:pPr lvl="1" eaLnBrk="1" latinLnBrk="0" hangingPunct="1"/>
+            <a:r>
+              <a:rPr lang="en-US" smtClean="0"/>
               <a:t>Second level</a:t>
             </a:r>
           </a:p>
           <a:p>
-            <a:pPr lvl="2"/>
-            <a:r>
-              <a:rPr lang="en-US" altLang="ja-JP"/>
+            <a:pPr lvl="2" eaLnBrk="1" latinLnBrk="0" hangingPunct="1"/>
+            <a:r>
+              <a:rPr lang="en-US" smtClean="0"/>
               <a:t>Third level</a:t>
             </a:r>
           </a:p>
           <a:p>
-            <a:pPr lvl="3"/>
-            <a:r>
-              <a:rPr lang="en-US" altLang="ja-JP"/>
+            <a:pPr lvl="3" eaLnBrk="1" latinLnBrk="0" hangingPunct="1"/>
+            <a:r>
+              <a:rPr lang="en-US" smtClean="0"/>
               <a:t>Fourth level</a:t>
             </a:r>
           </a:p>
           <a:p>
-            <a:pPr lvl="4"/>
-            <a:r>
-              <a:rPr lang="en-US" altLang="ja-JP"/>
+            <a:pPr lvl="4" eaLnBrk="1" latinLnBrk="0" hangingPunct="1"/>
+            <a:r>
+              <a:rPr lang="en-US" smtClean="0"/>
               <a:t>Fifth level</a:t>
             </a:r>
-            <a:endParaRPr lang="en-US" dirty="0"/>
+            <a:endParaRPr kumimoji="0" lang="en-US"/>
+          </a:p>
+        </p:txBody>
+      </p:sp>
+      <p:sp>
+        <p:nvSpPr>
+          <p:cNvPr id="6" name="Content Placeholder 5"/>
+          <p:cNvSpPr>
+            <a:spLocks noGrp="1"/>
+          </p:cNvSpPr>
+          <p:nvPr>
+            <p:ph sz="quarter" idx="4"/>
+          </p:nvPr>
+        </p:nvSpPr>
+        <p:spPr>
+          <a:xfrm>
+            <a:off x="5571744" y="1711840"/>
+            <a:ext cx="4693920" cy="4114800"/>
+          </a:xfrm>
+        </p:spPr>
+        <p:txBody>
+          <a:bodyPr/>
+          <a:lstStyle>
+            <a:lvl1pPr>
+              <a:defRPr sz="2400"/>
+            </a:lvl1pPr>
+            <a:lvl2pPr>
+              <a:defRPr sz="2000"/>
+            </a:lvl2pPr>
+            <a:lvl3pPr>
+              <a:defRPr sz="1800"/>
+            </a:lvl3pPr>
+            <a:lvl4pPr>
+              <a:defRPr sz="1600"/>
+            </a:lvl4pPr>
+            <a:lvl5pPr>
+              <a:defRPr sz="1600"/>
+            </a:lvl5pPr>
+            <a:extLst/>
+          </a:lstStyle>
+          <a:p>
+            <a:pPr lvl="0" eaLnBrk="1" latinLnBrk="0" hangingPunct="1"/>
+            <a:r>
+              <a:rPr lang="en-US" smtClean="0"/>
+              <a:t>Click to edit Master text styles</a:t>
+            </a:r>
+          </a:p>
+          <a:p>
+            <a:pPr lvl="1" eaLnBrk="1" latinLnBrk="0" hangingPunct="1"/>
+            <a:r>
+              <a:rPr lang="en-US" smtClean="0"/>
+              <a:t>Second level</a:t>
+            </a:r>
+          </a:p>
+          <a:p>
+            <a:pPr lvl="2" eaLnBrk="1" latinLnBrk="0" hangingPunct="1"/>
+            <a:r>
+              <a:rPr lang="en-US" smtClean="0"/>
+              <a:t>Third level</a:t>
+            </a:r>
+          </a:p>
+          <a:p>
+            <a:pPr lvl="3" eaLnBrk="1" latinLnBrk="0" hangingPunct="1"/>
+            <a:r>
+              <a:rPr lang="en-US" smtClean="0"/>
+              <a:t>Fourth level</a:t>
+            </a:r>
+          </a:p>
+          <a:p>
+            <a:pPr lvl="4" eaLnBrk="1" latinLnBrk="0" hangingPunct="1"/>
+            <a:r>
+              <a:rPr lang="en-US" smtClean="0"/>
+              <a:t>Fifth level</a:t>
+            </a:r>
+            <a:endParaRPr kumimoji="0" lang="en-US"/>
           </a:p>
         </p:txBody>
       </p:sp>
@@ -1636,12 +1937,14 @@
         <p:spPr/>
         <p:txBody>
           <a:bodyPr/>
-          <a:lstStyle/>
+          <a:lstStyle>
+            <a:extLst/>
+          </a:lstStyle>
           <a:p>
             <a:fld id="{7FCC5AE5-E495-4913-B643-A95A6AFABB00}" type="datetimeFigureOut">
               <a:rPr kumimoji="1" lang="ja-JP" altLang="en-US" smtClean="0"/>
               <a:pPr/>
-              <a:t>2022/8/24</a:t>
+              <a:t>2022/8/25</a:t>
             </a:fld>
             <a:endParaRPr kumimoji="1" lang="ja-JP" altLang="en-US"/>
           </a:p>
@@ -1660,7 +1963,9 @@
         <p:spPr/>
         <p:txBody>
           <a:bodyPr/>
-          <a:lstStyle/>
+          <a:lstStyle>
+            <a:extLst/>
+          </a:lstStyle>
           <a:p>
             <a:endParaRPr kumimoji="1" lang="ja-JP" altLang="en-US"/>
           </a:p>
@@ -1679,7 +1984,9 @@
         <p:spPr/>
         <p:txBody>
           <a:bodyPr/>
-          <a:lstStyle/>
+          <a:lstStyle>
+            <a:extLst/>
+          </a:lstStyle>
           <a:p>
             <a:fld id="{70A8A157-56DF-4B3D-9650-5955C7C8710E}" type="slidenum">
               <a:rPr kumimoji="1" lang="ja-JP" altLang="en-US" smtClean="0"/>
@@ -1691,11 +1998,6 @@
         </p:txBody>
       </p:sp>
     </p:spTree>
-    <p:extLst>
-      <p:ext uri="{BB962C8B-B14F-4D97-AF65-F5344CB8AC3E}">
-        <p14:creationId xmlns:p14="http://schemas.microsoft.com/office/powerpoint/2010/main" xmlns="" val="890299385"/>
-      </p:ext>
-    </p:extLst>
   </p:cSld>
   <p:clrMapOvr>
     <a:masterClrMapping/>
@@ -1730,38 +2032,47 @@
             <p:ph type="title"/>
           </p:nvPr>
         </p:nvSpPr>
+        <p:spPr>
+          <a:xfrm>
+            <a:off x="609600" y="320040"/>
+            <a:ext cx="9656064" cy="1143000"/>
+          </a:xfrm>
+        </p:spPr>
+        <p:txBody>
+          <a:bodyPr/>
+          <a:lstStyle>
+            <a:extLst/>
+          </a:lstStyle>
+          <a:p>
+            <a:r>
+              <a:rPr kumimoji="0" lang="en-US" smtClean="0"/>
+              <a:t>Click to edit Master title style</a:t>
+            </a:r>
+            <a:endParaRPr kumimoji="0" lang="en-US"/>
+          </a:p>
+        </p:txBody>
+      </p:sp>
+      <p:sp>
+        <p:nvSpPr>
+          <p:cNvPr id="3" name="Date Placeholder 2"/>
+          <p:cNvSpPr>
+            <a:spLocks noGrp="1"/>
+          </p:cNvSpPr>
+          <p:nvPr>
+            <p:ph type="dt" sz="half" idx="10"/>
+          </p:nvPr>
+        </p:nvSpPr>
         <p:spPr/>
         <p:txBody>
           <a:bodyPr/>
-          <a:lstStyle/>
-          <a:p>
-            <a:r>
-              <a:rPr lang="en-US" altLang="ja-JP"/>
-              <a:t>Click to edit Master title style</a:t>
-            </a:r>
-            <a:endParaRPr lang="en-US" dirty="0"/>
-          </a:p>
-        </p:txBody>
-      </p:sp>
-      <p:sp>
-        <p:nvSpPr>
-          <p:cNvPr id="3" name="Date Placeholder 2"/>
-          <p:cNvSpPr>
-            <a:spLocks noGrp="1"/>
-          </p:cNvSpPr>
-          <p:nvPr>
-            <p:ph type="dt" sz="half" idx="10"/>
-          </p:nvPr>
-        </p:nvSpPr>
-        <p:spPr/>
-        <p:txBody>
-          <a:bodyPr/>
-          <a:lstStyle/>
+          <a:lstStyle>
+            <a:extLst/>
+          </a:lstStyle>
           <a:p>
             <a:fld id="{7FCC5AE5-E495-4913-B643-A95A6AFABB00}" type="datetimeFigureOut">
               <a:rPr kumimoji="1" lang="ja-JP" altLang="en-US" smtClean="0"/>
               <a:pPr/>
-              <a:t>2022/8/24</a:t>
+              <a:t>2022/8/25</a:t>
             </a:fld>
             <a:endParaRPr kumimoji="1" lang="ja-JP" altLang="en-US"/>
           </a:p>
@@ -1780,7 +2091,9 @@
         <p:spPr/>
         <p:txBody>
           <a:bodyPr/>
-          <a:lstStyle/>
+          <a:lstStyle>
+            <a:extLst/>
+          </a:lstStyle>
           <a:p>
             <a:endParaRPr kumimoji="1" lang="ja-JP" altLang="en-US"/>
           </a:p>
@@ -1799,7 +2112,9 @@
         <p:spPr/>
         <p:txBody>
           <a:bodyPr/>
-          <a:lstStyle/>
+          <a:lstStyle>
+            <a:extLst/>
+          </a:lstStyle>
           <a:p>
             <a:fld id="{70A8A157-56DF-4B3D-9650-5955C7C8710E}" type="slidenum">
               <a:rPr kumimoji="1" lang="ja-JP" altLang="en-US" smtClean="0"/>
@@ -1811,11 +2126,6 @@
         </p:txBody>
       </p:sp>
     </p:spTree>
-    <p:extLst>
-      <p:ext uri="{BB962C8B-B14F-4D97-AF65-F5344CB8AC3E}">
-        <p14:creationId xmlns:p14="http://schemas.microsoft.com/office/powerpoint/2010/main" xmlns="" val="2049573599"/>
-      </p:ext>
-    </p:extLst>
   </p:cSld>
   <p:clrMapOvr>
     <a:masterClrMapping/>
@@ -1853,12 +2163,21 @@
         <p:spPr/>
         <p:txBody>
           <a:bodyPr/>
-          <a:lstStyle/>
+          <a:lstStyle>
+            <a:lvl1pPr>
+              <a:defRPr>
+                <a:solidFill>
+                  <a:schemeClr val="tx2"/>
+                </a:solidFill>
+              </a:defRPr>
+            </a:lvl1pPr>
+            <a:extLst/>
+          </a:lstStyle>
           <a:p>
             <a:fld id="{7FCC5AE5-E495-4913-B643-A95A6AFABB00}" type="datetimeFigureOut">
               <a:rPr kumimoji="1" lang="ja-JP" altLang="en-US" smtClean="0"/>
               <a:pPr/>
-              <a:t>2022/8/24</a:t>
+              <a:t>2022/8/25</a:t>
             </a:fld>
             <a:endParaRPr kumimoji="1" lang="ja-JP" altLang="en-US"/>
           </a:p>
@@ -1877,7 +2196,16 @@
         <p:spPr/>
         <p:txBody>
           <a:bodyPr/>
-          <a:lstStyle/>
+          <a:lstStyle>
+            <a:lvl1pPr>
+              <a:defRPr>
+                <a:solidFill>
+                  <a:schemeClr val="tx2"/>
+                </a:solidFill>
+              </a:defRPr>
+            </a:lvl1pPr>
+            <a:extLst/>
+          </a:lstStyle>
           <a:p>
             <a:endParaRPr kumimoji="1" lang="ja-JP" altLang="en-US"/>
           </a:p>
@@ -1896,7 +2224,9 @@
         <p:spPr/>
         <p:txBody>
           <a:bodyPr/>
-          <a:lstStyle/>
+          <a:lstStyle>
+            <a:extLst/>
+          </a:lstStyle>
           <a:p>
             <a:fld id="{70A8A157-56DF-4B3D-9650-5955C7C8710E}" type="slidenum">
               <a:rPr kumimoji="1" lang="ja-JP" altLang="en-US" smtClean="0"/>
@@ -1908,11 +2238,6 @@
         </p:txBody>
       </p:sp>
     </p:spTree>
-    <p:extLst>
-      <p:ext uri="{BB962C8B-B14F-4D97-AF65-F5344CB8AC3E}">
-        <p14:creationId xmlns:p14="http://schemas.microsoft.com/office/powerpoint/2010/main" xmlns="" val="1896888541"/>
-      </p:ext>
-    </p:extLst>
   </p:cSld>
   <p:clrMapOvr>
     <a:masterClrMapping/>
@@ -1949,40 +2274,100 @@
         </p:nvSpPr>
         <p:spPr>
           <a:xfrm>
-            <a:off x="839788" y="457200"/>
-            <a:ext cx="3932237" cy="1600200"/>
-          </a:xfrm>
-        </p:spPr>
-        <p:txBody>
-          <a:bodyPr anchor="b"/>
-          <a:lstStyle>
-            <a:lvl1pPr>
-              <a:defRPr sz="3200"/>
+            <a:off x="609600" y="228600"/>
+            <a:ext cx="7863840" cy="1173480"/>
+          </a:xfrm>
+        </p:spPr>
+        <p:txBody>
+          <a:bodyPr wrap="square" anchor="b"/>
+          <a:lstStyle>
+            <a:lvl1pPr algn="l">
+              <a:buNone/>
+              <a:defRPr lang="en-US" sz="2400" baseline="0" smtClean="0"/>
             </a:lvl1pPr>
-          </a:lstStyle>
-          <a:p>
-            <a:r>
-              <a:rPr lang="en-US" altLang="ja-JP"/>
+            <a:extLst/>
+          </a:lstStyle>
+          <a:p>
+            <a:r>
+              <a:rPr kumimoji="0" lang="en-US" smtClean="0"/>
               <a:t>Click to edit Master title style</a:t>
             </a:r>
-            <a:endParaRPr lang="en-US" dirty="0"/>
-          </a:p>
-        </p:txBody>
-      </p:sp>
-      <p:sp>
-        <p:nvSpPr>
-          <p:cNvPr id="3" name="Content Placeholder 2"/>
-          <p:cNvSpPr>
-            <a:spLocks noGrp="1"/>
-          </p:cNvSpPr>
-          <p:nvPr>
-            <p:ph idx="1"/>
+            <a:endParaRPr kumimoji="0" lang="en-US"/>
+          </a:p>
+        </p:txBody>
+      </p:sp>
+      <p:sp>
+        <p:nvSpPr>
+          <p:cNvPr id="3" name="Text Placeholder 2"/>
+          <p:cNvSpPr>
+            <a:spLocks noGrp="1"/>
+          </p:cNvSpPr>
+          <p:nvPr>
+            <p:ph type="body" idx="2"/>
           </p:nvPr>
         </p:nvSpPr>
         <p:spPr>
           <a:xfrm>
-            <a:off x="5183188" y="987425"/>
-            <a:ext cx="6172200" cy="4873625"/>
+            <a:off x="609600" y="1497416"/>
+            <a:ext cx="7863840" cy="602512"/>
+          </a:xfrm>
+        </p:spPr>
+        <p:txBody>
+          <a:bodyPr rot="0" spcFirstLastPara="0" vertOverflow="overflow" horzOverflow="overflow" vert="horz" wrap="square" lIns="45720" tIns="0" rIns="0" bIns="0" numCol="1" spcCol="0" rtlCol="0" fromWordArt="0" anchor="t" anchorCtr="0" forceAA="0" compatLnSpc="1">
+            <a:normAutofit/>
+          </a:bodyPr>
+          <a:lstStyle>
+            <a:lvl1pPr marL="0" indent="0">
+              <a:spcBef>
+                <a:spcPts val="0"/>
+              </a:spcBef>
+              <a:spcAft>
+                <a:spcPts val="0"/>
+              </a:spcAft>
+              <a:buNone/>
+              <a:defRPr sz="1400"/>
+            </a:lvl1pPr>
+            <a:lvl2pPr>
+              <a:buNone/>
+              <a:defRPr sz="1200"/>
+            </a:lvl2pPr>
+            <a:lvl3pPr>
+              <a:buNone/>
+              <a:defRPr sz="1000"/>
+            </a:lvl3pPr>
+            <a:lvl4pPr>
+              <a:buNone/>
+              <a:defRPr sz="900"/>
+            </a:lvl4pPr>
+            <a:lvl5pPr>
+              <a:buNone/>
+              <a:defRPr sz="900"/>
+            </a:lvl5pPr>
+            <a:extLst/>
+          </a:lstStyle>
+          <a:p>
+            <a:pPr lvl="0" eaLnBrk="1" latinLnBrk="0" hangingPunct="1"/>
+            <a:r>
+              <a:rPr kumimoji="0" lang="en-US" smtClean="0"/>
+              <a:t>Click to edit Master text styles</a:t>
+            </a:r>
+          </a:p>
+        </p:txBody>
+      </p:sp>
+      <p:sp>
+        <p:nvSpPr>
+          <p:cNvPr id="4" name="Content Placeholder 3"/>
+          <p:cNvSpPr>
+            <a:spLocks noGrp="1"/>
+          </p:cNvSpPr>
+          <p:nvPr>
+            <p:ph sz="half" idx="1"/>
+          </p:nvPr>
+        </p:nvSpPr>
+        <p:spPr>
+          <a:xfrm>
+            <a:off x="609600" y="2133600"/>
+            <a:ext cx="9652000" cy="4371752"/>
           </a:xfrm>
         </p:spPr>
         <p:txBody>
@@ -2003,141 +2388,67 @@
             <a:lvl5pPr>
               <a:defRPr sz="2000"/>
             </a:lvl5pPr>
-            <a:lvl6pPr>
-              <a:defRPr sz="2000"/>
-            </a:lvl6pPr>
-            <a:lvl7pPr>
-              <a:defRPr sz="2000"/>
-            </a:lvl7pPr>
-            <a:lvl8pPr>
-              <a:defRPr sz="2000"/>
-            </a:lvl8pPr>
-            <a:lvl9pPr>
-              <a:defRPr sz="2000"/>
-            </a:lvl9pPr>
-          </a:lstStyle>
-          <a:p>
-            <a:pPr lvl="0"/>
-            <a:r>
-              <a:rPr lang="en-US" altLang="ja-JP"/>
-              <a:t>Edit Master text styles</a:t>
-            </a:r>
-          </a:p>
-          <a:p>
-            <a:pPr lvl="1"/>
-            <a:r>
-              <a:rPr lang="en-US" altLang="ja-JP"/>
+            <a:extLst/>
+          </a:lstStyle>
+          <a:p>
+            <a:pPr lvl="0" eaLnBrk="1" latinLnBrk="0" hangingPunct="1"/>
+            <a:r>
+              <a:rPr lang="en-US" smtClean="0"/>
+              <a:t>Click to edit Master text styles</a:t>
+            </a:r>
+          </a:p>
+          <a:p>
+            <a:pPr lvl="1" eaLnBrk="1" latinLnBrk="0" hangingPunct="1"/>
+            <a:r>
+              <a:rPr lang="en-US" smtClean="0"/>
               <a:t>Second level</a:t>
             </a:r>
           </a:p>
           <a:p>
-            <a:pPr lvl="2"/>
-            <a:r>
-              <a:rPr lang="en-US" altLang="ja-JP"/>
+            <a:pPr lvl="2" eaLnBrk="1" latinLnBrk="0" hangingPunct="1"/>
+            <a:r>
+              <a:rPr lang="en-US" smtClean="0"/>
               <a:t>Third level</a:t>
             </a:r>
           </a:p>
           <a:p>
-            <a:pPr lvl="3"/>
-            <a:r>
-              <a:rPr lang="en-US" altLang="ja-JP"/>
+            <a:pPr lvl="3" eaLnBrk="1" latinLnBrk="0" hangingPunct="1"/>
+            <a:r>
+              <a:rPr lang="en-US" smtClean="0"/>
               <a:t>Fourth level</a:t>
             </a:r>
           </a:p>
           <a:p>
-            <a:pPr lvl="4"/>
-            <a:r>
-              <a:rPr lang="en-US" altLang="ja-JP"/>
+            <a:pPr lvl="4" eaLnBrk="1" latinLnBrk="0" hangingPunct="1"/>
+            <a:r>
+              <a:rPr lang="en-US" smtClean="0"/>
               <a:t>Fifth level</a:t>
             </a:r>
-            <a:endParaRPr lang="en-US" dirty="0"/>
-          </a:p>
-        </p:txBody>
-      </p:sp>
-      <p:sp>
-        <p:nvSpPr>
-          <p:cNvPr id="4" name="Text Placeholder 3"/>
-          <p:cNvSpPr>
-            <a:spLocks noGrp="1"/>
-          </p:cNvSpPr>
-          <p:nvPr>
-            <p:ph type="body" sz="half" idx="2"/>
-          </p:nvPr>
-        </p:nvSpPr>
-        <p:spPr>
-          <a:xfrm>
-            <a:off x="839788" y="2057400"/>
-            <a:ext cx="3932237" cy="3811588"/>
-          </a:xfrm>
-        </p:spPr>
+            <a:endParaRPr kumimoji="0" lang="en-US"/>
+          </a:p>
+        </p:txBody>
+      </p:sp>
+      <p:sp>
+        <p:nvSpPr>
+          <p:cNvPr id="5" name="Date Placeholder 4"/>
+          <p:cNvSpPr>
+            <a:spLocks noGrp="1"/>
+          </p:cNvSpPr>
+          <p:nvPr>
+            <p:ph type="dt" sz="half" idx="10"/>
+          </p:nvPr>
+        </p:nvSpPr>
+        <p:spPr/>
         <p:txBody>
           <a:bodyPr/>
           <a:lstStyle>
-            <a:lvl1pPr marL="0" indent="0">
-              <a:buNone/>
-              <a:defRPr sz="1600"/>
-            </a:lvl1pPr>
-            <a:lvl2pPr marL="457200" indent="0">
-              <a:buNone/>
-              <a:defRPr sz="1400"/>
-            </a:lvl2pPr>
-            <a:lvl3pPr marL="914400" indent="0">
-              <a:buNone/>
-              <a:defRPr sz="1200"/>
-            </a:lvl3pPr>
-            <a:lvl4pPr marL="1371600" indent="0">
-              <a:buNone/>
-              <a:defRPr sz="1000"/>
-            </a:lvl4pPr>
-            <a:lvl5pPr marL="1828800" indent="0">
-              <a:buNone/>
-              <a:defRPr sz="1000"/>
-            </a:lvl5pPr>
-            <a:lvl6pPr marL="2286000" indent="0">
-              <a:buNone/>
-              <a:defRPr sz="1000"/>
-            </a:lvl6pPr>
-            <a:lvl7pPr marL="2743200" indent="0">
-              <a:buNone/>
-              <a:defRPr sz="1000"/>
-            </a:lvl7pPr>
-            <a:lvl8pPr marL="3200400" indent="0">
-              <a:buNone/>
-              <a:defRPr sz="1000"/>
-            </a:lvl8pPr>
-            <a:lvl9pPr marL="3657600" indent="0">
-              <a:buNone/>
-              <a:defRPr sz="1000"/>
-            </a:lvl9pPr>
-          </a:lstStyle>
-          <a:p>
-            <a:pPr lvl="0"/>
-            <a:r>
-              <a:rPr lang="en-US" altLang="ja-JP"/>
-              <a:t>Edit Master text styles</a:t>
-            </a:r>
-          </a:p>
-        </p:txBody>
-      </p:sp>
-      <p:sp>
-        <p:nvSpPr>
-          <p:cNvPr id="5" name="Date Placeholder 4"/>
-          <p:cNvSpPr>
-            <a:spLocks noGrp="1"/>
-          </p:cNvSpPr>
-          <p:nvPr>
-            <p:ph type="dt" sz="half" idx="10"/>
-          </p:nvPr>
-        </p:nvSpPr>
-        <p:spPr/>
-        <p:txBody>
-          <a:bodyPr/>
-          <a:lstStyle/>
+            <a:extLst/>
+          </a:lstStyle>
           <a:p>
             <a:fld id="{7FCC5AE5-E495-4913-B643-A95A6AFABB00}" type="datetimeFigureOut">
               <a:rPr kumimoji="1" lang="ja-JP" altLang="en-US" smtClean="0"/>
               <a:pPr/>
-              <a:t>2022/8/24</a:t>
+              <a:t>2022/8/25</a:t>
             </a:fld>
             <a:endParaRPr kumimoji="1" lang="ja-JP" altLang="en-US"/>
           </a:p>
@@ -2156,7 +2467,9 @@
         <p:spPr/>
         <p:txBody>
           <a:bodyPr/>
-          <a:lstStyle/>
+          <a:lstStyle>
+            <a:extLst/>
+          </a:lstStyle>
           <a:p>
             <a:endParaRPr kumimoji="1" lang="ja-JP" altLang="en-US"/>
           </a:p>
@@ -2175,7 +2488,9 @@
         <p:spPr/>
         <p:txBody>
           <a:bodyPr/>
-          <a:lstStyle/>
+          <a:lstStyle>
+            <a:extLst/>
+          </a:lstStyle>
           <a:p>
             <a:fld id="{70A8A157-56DF-4B3D-9650-5955C7C8710E}" type="slidenum">
               <a:rPr kumimoji="1" lang="ja-JP" altLang="en-US" smtClean="0"/>
@@ -2187,11 +2502,6 @@
         </p:txBody>
       </p:sp>
     </p:spTree>
-    <p:extLst>
-      <p:ext uri="{BB962C8B-B14F-4D97-AF65-F5344CB8AC3E}">
-        <p14:creationId xmlns:p14="http://schemas.microsoft.com/office/powerpoint/2010/main" xmlns="" val="1581260034"/>
-      </p:ext>
-    </p:extLst>
   </p:cSld>
   <p:clrMapOvr>
     <a:masterClrMapping/>
@@ -2200,8 +2510,13 @@
 </file>
 
 <file path=ppt/slideLayouts/slideLayout9.xml><?xml version="1.0" encoding="utf-8"?>
-<p:sldLayout xmlns:a="http://schemas.openxmlformats.org/drawingml/2006/main" xmlns:r="http://schemas.openxmlformats.org/officeDocument/2006/relationships" xmlns:p="http://schemas.openxmlformats.org/presentationml/2006/main" type="picTx" preserve="1">
+<p:sldLayout xmlns:a="http://schemas.openxmlformats.org/drawingml/2006/main" xmlns:r="http://schemas.openxmlformats.org/officeDocument/2006/relationships" xmlns:p="http://schemas.openxmlformats.org/presentationml/2006/main" showMasterSp="0" type="picTx" preserve="1">
   <p:cSld name="Picture with Caption">
+    <p:bg>
+      <p:bgRef idx="1002">
+        <a:schemeClr val="bg2"/>
+      </p:bgRef>
+    </p:bg>
     <p:spTree>
       <p:nvGrpSpPr>
         <p:cNvPr id="1" name=""/>
@@ -2218,6 +2533,118 @@
       </p:grpSpPr>
       <p:sp>
         <p:nvSpPr>
+          <p:cNvPr id="8" name="Rectangle 7"/>
+          <p:cNvSpPr/>
+          <p:nvPr/>
+        </p:nvSpPr>
+        <p:spPr>
+          <a:xfrm rot="21240000">
+            <a:off x="797292" y="1004669"/>
+            <a:ext cx="5759369" cy="4312573"/>
+          </a:xfrm>
+          <a:prstGeom prst="rect">
+            <a:avLst/>
+          </a:prstGeom>
+          <a:solidFill>
+            <a:srgbClr val="FAFAFA"/>
+          </a:solidFill>
+          <a:ln w="1270" cap="rnd" cmpd="sng" algn="ctr">
+            <a:solidFill>
+              <a:srgbClr val="EAEAEA"/>
+            </a:solidFill>
+            <a:prstDash val="solid"/>
+          </a:ln>
+          <a:effectLst>
+            <a:outerShdw blurRad="25000" dist="12700" dir="5400000" algn="t" rotWithShape="0">
+              <a:srgbClr val="000000">
+                <a:alpha val="40000"/>
+              </a:srgbClr>
+            </a:outerShdw>
+          </a:effectLst>
+        </p:spPr>
+        <p:style>
+          <a:lnRef idx="2">
+            <a:schemeClr val="accent1"/>
+          </a:lnRef>
+          <a:fillRef idx="1">
+            <a:schemeClr val="accent1"/>
+          </a:fillRef>
+          <a:effectRef idx="0">
+            <a:schemeClr val="accent1"/>
+          </a:effectRef>
+          <a:fontRef idx="minor">
+            <a:schemeClr val="lt1"/>
+          </a:fontRef>
+        </p:style>
+        <p:txBody>
+          <a:bodyPr rtlCol="0" anchor="ctr"/>
+          <a:lstStyle>
+            <a:extLst/>
+          </a:lstStyle>
+          <a:p>
+            <a:pPr algn="ctr" eaLnBrk="1" latinLnBrk="0" hangingPunct="1"/>
+            <a:endParaRPr kumimoji="0" lang="en-US"/>
+          </a:p>
+        </p:txBody>
+      </p:sp>
+      <p:sp>
+        <p:nvSpPr>
+          <p:cNvPr id="9" name="Rectangle 8"/>
+          <p:cNvSpPr/>
+          <p:nvPr/>
+        </p:nvSpPr>
+        <p:spPr>
+          <a:xfrm rot="21420000">
+            <a:off x="795609" y="998817"/>
+            <a:ext cx="5759369" cy="4312573"/>
+          </a:xfrm>
+          <a:prstGeom prst="rect">
+            <a:avLst/>
+          </a:prstGeom>
+          <a:solidFill>
+            <a:srgbClr val="FAFAFA"/>
+          </a:solidFill>
+          <a:ln w="1270" cap="rnd" cmpd="sng" algn="ctr">
+            <a:solidFill>
+              <a:srgbClr val="EAEAEA"/>
+            </a:solidFill>
+            <a:prstDash val="solid"/>
+          </a:ln>
+          <a:effectLst>
+            <a:outerShdw blurRad="28000" dist="12700" dir="5400000" algn="tl" rotWithShape="0">
+              <a:srgbClr val="000000">
+                <a:alpha val="40000"/>
+              </a:srgbClr>
+            </a:outerShdw>
+          </a:effectLst>
+        </p:spPr>
+        <p:style>
+          <a:lnRef idx="2">
+            <a:schemeClr val="accent1"/>
+          </a:lnRef>
+          <a:fillRef idx="1">
+            <a:schemeClr val="accent1"/>
+          </a:fillRef>
+          <a:effectRef idx="0">
+            <a:schemeClr val="accent1"/>
+          </a:effectRef>
+          <a:fontRef idx="minor">
+            <a:schemeClr val="lt1"/>
+          </a:fontRef>
+        </p:style>
+        <p:txBody>
+          <a:bodyPr rtlCol="0" anchor="ctr"/>
+          <a:lstStyle>
+            <a:extLst/>
+          </a:lstStyle>
+          <a:p>
+            <a:pPr algn="ctr" eaLnBrk="1" latinLnBrk="0" hangingPunct="1"/>
+            <a:endParaRPr kumimoji="0" lang="en-US"/>
+          </a:p>
+        </p:txBody>
+      </p:sp>
+      <p:sp>
+        <p:nvSpPr>
           <p:cNvPr id="2" name="Title 1"/>
           <p:cNvSpPr>
             <a:spLocks noGrp="1"/>
@@ -2228,175 +2655,166 @@
         </p:nvSpPr>
         <p:spPr>
           <a:xfrm>
-            <a:off x="839788" y="457200"/>
-            <a:ext cx="3932237" cy="1600200"/>
-          </a:xfrm>
-        </p:spPr>
-        <p:txBody>
-          <a:bodyPr anchor="b"/>
-          <a:lstStyle>
-            <a:lvl1pPr>
-              <a:defRPr sz="3200"/>
+            <a:off x="7185464" y="1143000"/>
+            <a:ext cx="4572000" cy="2057400"/>
+          </a:xfrm>
+        </p:spPr>
+        <p:txBody>
+          <a:bodyPr vert="horz" anchor="b"/>
+          <a:lstStyle>
+            <a:lvl1pPr algn="l">
+              <a:buNone/>
+              <a:defRPr sz="3000" b="1" baseline="0">
+                <a:ln w="500">
+                  <a:solidFill>
+                    <a:schemeClr val="tx2">
+                      <a:shade val="10000"/>
+                      <a:satMod val="135000"/>
+                    </a:schemeClr>
+                  </a:solidFill>
+                </a:ln>
+                <a:gradFill>
+                  <a:gsLst>
+                    <a:gs pos="0">
+                      <a:schemeClr val="accent4">
+                        <a:tint val="13000"/>
+                      </a:schemeClr>
+                    </a:gs>
+                    <a:gs pos="10000">
+                      <a:schemeClr val="accent4">
+                        <a:tint val="20000"/>
+                      </a:schemeClr>
+                    </a:gs>
+                    <a:gs pos="49000">
+                      <a:schemeClr val="accent4">
+                        <a:tint val="70000"/>
+                      </a:schemeClr>
+                    </a:gs>
+                    <a:gs pos="50000">
+                      <a:schemeClr val="accent4">
+                        <a:tint val="97000"/>
+                      </a:schemeClr>
+                    </a:gs>
+                    <a:gs pos="100000">
+                      <a:schemeClr val="accent4">
+                        <a:tint val="20000"/>
+                      </a:schemeClr>
+                    </a:gs>
+                  </a:gsLst>
+                  <a:lin ang="5400000" scaled="1"/>
+                </a:gradFill>
+                <a:effectLst/>
+              </a:defRPr>
             </a:lvl1pPr>
-          </a:lstStyle>
-          <a:p>
-            <a:r>
-              <a:rPr lang="en-US" altLang="ja-JP"/>
+            <a:extLst/>
+          </a:lstStyle>
+          <a:p>
+            <a:r>
+              <a:rPr kumimoji="0" lang="en-US" smtClean="0"/>
               <a:t>Click to edit Master title style</a:t>
             </a:r>
-            <a:endParaRPr lang="en-US" dirty="0"/>
-          </a:p>
-        </p:txBody>
-      </p:sp>
-      <p:sp>
-        <p:nvSpPr>
-          <p:cNvPr id="3" name="Picture Placeholder 2"/>
-          <p:cNvSpPr>
-            <a:spLocks noGrp="1" noChangeAspect="1"/>
-          </p:cNvSpPr>
-          <p:nvPr>
-            <p:ph type="pic" idx="1"/>
+            <a:endParaRPr kumimoji="0" lang="en-US" dirty="0"/>
+          </a:p>
+        </p:txBody>
+      </p:sp>
+      <p:sp>
+        <p:nvSpPr>
+          <p:cNvPr id="4" name="Text Placeholder 3"/>
+          <p:cNvSpPr>
+            <a:spLocks noGrp="1"/>
+          </p:cNvSpPr>
+          <p:nvPr>
+            <p:ph type="body" sz="half" idx="2"/>
           </p:nvPr>
         </p:nvSpPr>
         <p:spPr>
           <a:xfrm>
-            <a:off x="5183188" y="987425"/>
-            <a:ext cx="6172200" cy="4873625"/>
-          </a:xfrm>
-        </p:spPr>
-        <p:txBody>
-          <a:bodyPr anchor="t"/>
+            <a:off x="7185464" y="3283634"/>
+            <a:ext cx="4572000" cy="1920240"/>
+          </a:xfrm>
+        </p:spPr>
+        <p:txBody>
+          <a:bodyPr rot="0" spcFirstLastPara="0" vertOverflow="overflow" horzOverflow="overflow" vert="horz" wrap="square" lIns="82296" tIns="0" rIns="0" bIns="0" numCol="1" spcCol="0" rtlCol="0" fromWordArt="0" anchor="t" anchorCtr="0" forceAA="0" compatLnSpc="1">
+            <a:normAutofit/>
+          </a:bodyPr>
           <a:lstStyle>
             <a:lvl1pPr marL="0" indent="0">
+              <a:lnSpc>
+                <a:spcPct val="100000"/>
+              </a:lnSpc>
+              <a:spcBef>
+                <a:spcPts val="0"/>
+              </a:spcBef>
+              <a:buFontTx/>
               <a:buNone/>
-              <a:defRPr sz="3200"/>
+              <a:defRPr sz="1400" baseline="0">
+                <a:solidFill>
+                  <a:schemeClr val="tx1"/>
+                </a:solidFill>
+              </a:defRPr>
             </a:lvl1pPr>
-            <a:lvl2pPr marL="457200" indent="0">
+            <a:lvl2pPr>
+              <a:defRPr sz="1200"/>
+            </a:lvl2pPr>
+            <a:lvl3pPr>
+              <a:defRPr sz="1000"/>
+            </a:lvl3pPr>
+            <a:lvl4pPr>
+              <a:defRPr sz="900"/>
+            </a:lvl4pPr>
+            <a:lvl5pPr>
+              <a:defRPr sz="900"/>
+            </a:lvl5pPr>
+            <a:extLst/>
+          </a:lstStyle>
+          <a:p>
+            <a:pPr marL="0" marR="0" lvl="0" indent="0" algn="l" defTabSz="0" rtl="0" eaLnBrk="1" fontAlgn="auto" latinLnBrk="0" hangingPunct="1">
+              <a:lnSpc>
+                <a:spcPct val="100000"/>
+              </a:lnSpc>
+              <a:spcBef>
+                <a:spcPts val="0"/>
+              </a:spcBef>
+              <a:spcAft>
+                <a:spcPts val="0"/>
+              </a:spcAft>
+              <a:buClr>
+                <a:schemeClr val="tx2"/>
+              </a:buClr>
+              <a:buSzPct val="73000"/>
+              <a:buFontTx/>
               <a:buNone/>
-              <a:defRPr sz="2800"/>
-            </a:lvl2pPr>
-            <a:lvl3pPr marL="914400" indent="0">
-              <a:buNone/>
-              <a:defRPr sz="2400"/>
-            </a:lvl3pPr>
-            <a:lvl4pPr marL="1371600" indent="0">
-              <a:buNone/>
-              <a:defRPr sz="2000"/>
-            </a:lvl4pPr>
-            <a:lvl5pPr marL="1828800" indent="0">
-              <a:buNone/>
-              <a:defRPr sz="2000"/>
-            </a:lvl5pPr>
-            <a:lvl6pPr marL="2286000" indent="0">
-              <a:buNone/>
-              <a:defRPr sz="2000"/>
-            </a:lvl6pPr>
-            <a:lvl7pPr marL="2743200" indent="0">
-              <a:buNone/>
-              <a:defRPr sz="2000"/>
-            </a:lvl7pPr>
-            <a:lvl8pPr marL="3200400" indent="0">
-              <a:buNone/>
-              <a:defRPr sz="2000"/>
-            </a:lvl8pPr>
-            <a:lvl9pPr marL="3657600" indent="0">
-              <a:buNone/>
-              <a:defRPr sz="2000"/>
-            </a:lvl9pPr>
-          </a:lstStyle>
-          <a:p>
-            <a:r>
-              <a:rPr lang="en-US" altLang="ja-JP"/>
-              <a:t>Click icon to add picture</a:t>
-            </a:r>
-            <a:endParaRPr lang="en-US" dirty="0"/>
-          </a:p>
-        </p:txBody>
-      </p:sp>
-      <p:sp>
-        <p:nvSpPr>
-          <p:cNvPr id="4" name="Text Placeholder 3"/>
-          <p:cNvSpPr>
-            <a:spLocks noGrp="1"/>
-          </p:cNvSpPr>
-          <p:nvPr>
-            <p:ph type="body" sz="half" idx="2"/>
-          </p:nvPr>
-        </p:nvSpPr>
-        <p:spPr>
-          <a:xfrm>
-            <a:off x="839788" y="2057400"/>
-            <a:ext cx="3932237" cy="3811588"/>
-          </a:xfrm>
-        </p:spPr>
+              <a:tabLst/>
+              <a:defRPr/>
+            </a:pPr>
+            <a:r>
+              <a:rPr kumimoji="0" lang="en-US" smtClean="0"/>
+              <a:t>Click to edit Master text styles</a:t>
+            </a:r>
+          </a:p>
+        </p:txBody>
+      </p:sp>
+      <p:sp>
+        <p:nvSpPr>
+          <p:cNvPr id="5" name="Date Placeholder 4"/>
+          <p:cNvSpPr>
+            <a:spLocks noGrp="1"/>
+          </p:cNvSpPr>
+          <p:nvPr>
+            <p:ph type="dt" sz="half" idx="10"/>
+          </p:nvPr>
+        </p:nvSpPr>
+        <p:spPr/>
         <p:txBody>
           <a:bodyPr/>
           <a:lstStyle>
-            <a:lvl1pPr marL="0" indent="0">
-              <a:buNone/>
-              <a:defRPr sz="1600"/>
-            </a:lvl1pPr>
-            <a:lvl2pPr marL="457200" indent="0">
-              <a:buNone/>
-              <a:defRPr sz="1400"/>
-            </a:lvl2pPr>
-            <a:lvl3pPr marL="914400" indent="0">
-              <a:buNone/>
-              <a:defRPr sz="1200"/>
-            </a:lvl3pPr>
-            <a:lvl4pPr marL="1371600" indent="0">
-              <a:buNone/>
-              <a:defRPr sz="1000"/>
-            </a:lvl4pPr>
-            <a:lvl5pPr marL="1828800" indent="0">
-              <a:buNone/>
-              <a:defRPr sz="1000"/>
-            </a:lvl5pPr>
-            <a:lvl6pPr marL="2286000" indent="0">
-              <a:buNone/>
-              <a:defRPr sz="1000"/>
-            </a:lvl6pPr>
-            <a:lvl7pPr marL="2743200" indent="0">
-              <a:buNone/>
-              <a:defRPr sz="1000"/>
-            </a:lvl7pPr>
-            <a:lvl8pPr marL="3200400" indent="0">
-              <a:buNone/>
-              <a:defRPr sz="1000"/>
-            </a:lvl8pPr>
-            <a:lvl9pPr marL="3657600" indent="0">
-              <a:buNone/>
-              <a:defRPr sz="1000"/>
-            </a:lvl9pPr>
-          </a:lstStyle>
-          <a:p>
-            <a:pPr lvl="0"/>
-            <a:r>
-              <a:rPr lang="en-US" altLang="ja-JP"/>
-              <a:t>Edit Master text styles</a:t>
-            </a:r>
-          </a:p>
-        </p:txBody>
-      </p:sp>
-      <p:sp>
-        <p:nvSpPr>
-          <p:cNvPr id="5" name="Date Placeholder 4"/>
-          <p:cNvSpPr>
-            <a:spLocks noGrp="1"/>
-          </p:cNvSpPr>
-          <p:nvPr>
-            <p:ph type="dt" sz="half" idx="10"/>
-          </p:nvPr>
-        </p:nvSpPr>
-        <p:spPr/>
-        <p:txBody>
-          <a:bodyPr/>
-          <a:lstStyle/>
+            <a:extLst/>
+          </a:lstStyle>
           <a:p>
             <a:fld id="{7FCC5AE5-E495-4913-B643-A95A6AFABB00}" type="datetimeFigureOut">
               <a:rPr kumimoji="1" lang="ja-JP" altLang="en-US" smtClean="0"/>
               <a:pPr/>
-              <a:t>2022/8/24</a:t>
+              <a:t>2022/8/25</a:t>
             </a:fld>
             <a:endParaRPr kumimoji="1" lang="ja-JP" altLang="en-US"/>
           </a:p>
@@ -2415,7 +2833,9 @@
         <p:spPr/>
         <p:txBody>
           <a:bodyPr/>
-          <a:lstStyle/>
+          <a:lstStyle>
+            <a:extLst/>
+          </a:lstStyle>
           <a:p>
             <a:endParaRPr kumimoji="1" lang="ja-JP" altLang="en-US"/>
           </a:p>
@@ -2434,7 +2854,9 @@
         <p:spPr/>
         <p:txBody>
           <a:bodyPr/>
-          <a:lstStyle/>
+          <a:lstStyle>
+            <a:extLst/>
+          </a:lstStyle>
           <a:p>
             <a:fld id="{70A8A157-56DF-4B3D-9650-5955C7C8710E}" type="slidenum">
               <a:rPr kumimoji="1" lang="ja-JP" altLang="en-US" smtClean="0"/>
@@ -2445,15 +2867,71 @@
           </a:p>
         </p:txBody>
       </p:sp>
+      <p:sp>
+        <p:nvSpPr>
+          <p:cNvPr id="10" name="Picture Placeholder 9"/>
+          <p:cNvSpPr>
+            <a:spLocks noGrp="1"/>
+          </p:cNvSpPr>
+          <p:nvPr>
+            <p:ph type="pic" idx="1"/>
+          </p:nvPr>
+        </p:nvSpPr>
+        <p:spPr>
+          <a:xfrm>
+            <a:off x="884909" y="1041002"/>
+            <a:ext cx="5608320" cy="4206240"/>
+          </a:xfrm>
+          <a:solidFill>
+            <a:schemeClr val="bg2">
+              <a:shade val="50000"/>
+            </a:schemeClr>
+          </a:solidFill>
+          <a:ln w="107950">
+            <a:solidFill>
+              <a:srgbClr val="FFFFFF"/>
+            </a:solidFill>
+            <a:miter lim="800000"/>
+          </a:ln>
+          <a:effectLst>
+            <a:outerShdw blurRad="44450" dist="3810" dir="5400000" algn="tl" rotWithShape="0">
+              <a:srgbClr val="000000">
+                <a:alpha val="60000"/>
+              </a:srgbClr>
+            </a:outerShdw>
+          </a:effectLst>
+          <a:scene3d>
+            <a:camera prst="orthographicFront"/>
+            <a:lightRig rig="threePt" dir="t"/>
+          </a:scene3d>
+          <a:sp3d contourW="3810">
+            <a:contourClr>
+              <a:srgbClr val="969696"/>
+            </a:contourClr>
+          </a:sp3d>
+        </p:spPr>
+        <p:txBody>
+          <a:bodyPr/>
+          <a:lstStyle>
+            <a:lvl1pPr marL="0" indent="0">
+              <a:buNone/>
+              <a:defRPr sz="3200"/>
+            </a:lvl1pPr>
+            <a:extLst/>
+          </a:lstStyle>
+          <a:p>
+            <a:r>
+              <a:rPr kumimoji="0" lang="en-US" smtClean="0"/>
+              <a:t>Click icon to add picture</a:t>
+            </a:r>
+            <a:endParaRPr kumimoji="0" lang="en-US" dirty="0"/>
+          </a:p>
+        </p:txBody>
+      </p:sp>
     </p:spTree>
-    <p:extLst>
-      <p:ext uri="{BB962C8B-B14F-4D97-AF65-F5344CB8AC3E}">
-        <p14:creationId xmlns:p14="http://schemas.microsoft.com/office/powerpoint/2010/main" xmlns="" val="2397771766"/>
-      </p:ext>
-    </p:extLst>
   </p:cSld>
   <p:clrMapOvr>
-    <a:masterClrMapping/>
+    <a:overrideClrMapping bg1="dk1" tx1="lt1" bg2="dk2" tx2="lt2" accent1="accent1" accent2="accent2" accent3="accent3" accent4="accent4" accent5="accent5" accent6="accent6" hlink="hlink" folHlink="folHlink"/>
   </p:clrMapOvr>
 </p:sldLayout>
 </file>
@@ -2482,136 +2960,218 @@
       </p:grpSpPr>
       <p:sp>
         <p:nvSpPr>
-          <p:cNvPr id="2" name="Title Placeholder 1"/>
-          <p:cNvSpPr>
-            <a:spLocks noGrp="1"/>
-          </p:cNvSpPr>
-          <p:nvPr>
-            <p:ph type="title"/>
-          </p:nvPr>
+          <p:cNvPr id="9" name="Rectangle 8"/>
+          <p:cNvSpPr/>
+          <p:nvPr/>
         </p:nvSpPr>
         <p:spPr>
-          <a:xfrm>
-            <a:off x="838200" y="365125"/>
-            <a:ext cx="10515600" cy="1325563"/>
+          <a:xfrm flipH="1">
+            <a:off x="10871200" y="0"/>
+            <a:ext cx="1320800" cy="6858000"/>
           </a:xfrm>
           <a:prstGeom prst="rect">
             <a:avLst/>
           </a:prstGeom>
-        </p:spPr>
-        <p:txBody>
-          <a:bodyPr vert="horz" lIns="91440" tIns="45720" rIns="91440" bIns="45720" rtlCol="0" anchor="ctr">
-            <a:normAutofit/>
-          </a:bodyPr>
-          <a:lstStyle/>
-          <a:p>
-            <a:r>
-              <a:rPr lang="en-US" altLang="ja-JP"/>
-              <a:t>Click to edit Master title style</a:t>
-            </a:r>
-            <a:endParaRPr lang="en-US" dirty="0"/>
-          </a:p>
-        </p:txBody>
-      </p:sp>
-      <p:sp>
-        <p:nvSpPr>
-          <p:cNvPr id="3" name="Text Placeholder 2"/>
-          <p:cNvSpPr>
-            <a:spLocks noGrp="1"/>
-          </p:cNvSpPr>
-          <p:nvPr>
-            <p:ph type="body" idx="1"/>
+          <a:blipFill>
+            <a:blip r:embed="rId13">
+              <a:alphaModFix amt="43000"/>
+            </a:blip>
+            <a:tile tx="0" ty="0" sx="50000" sy="50000" flip="none" algn="tl"/>
+          </a:blipFill>
+          <a:ln w="0" cap="flat" cmpd="sng" algn="ctr">
+            <a:noFill/>
+            <a:prstDash val="solid"/>
+          </a:ln>
+          <a:effectLst>
+            <a:fillOverlay blend="mult">
+              <a:gradFill rotWithShape="1">
+                <a:gsLst>
+                  <a:gs pos="0">
+                    <a:schemeClr val="tx2">
+                      <a:tint val="62000"/>
+                      <a:satMod val="420000"/>
+                    </a:schemeClr>
+                  </a:gs>
+                  <a:gs pos="100000">
+                    <a:schemeClr val="tx2">
+                      <a:shade val="20000"/>
+                      <a:satMod val="170000"/>
+                    </a:schemeClr>
+                  </a:gs>
+                </a:gsLst>
+                <a:path path="circle">
+                  <a:fillToRect l="50000" t="110000" r="50000" b="-10000"/>
+                </a:path>
+                <a:tileRect/>
+              </a:gradFill>
+            </a:fillOverlay>
+            <a:innerShdw blurRad="63500" dist="44450" dir="10800000">
+              <a:srgbClr val="000000">
+                <a:alpha val="45000"/>
+              </a:srgbClr>
+            </a:innerShdw>
+          </a:effectLst>
+        </p:spPr>
+        <p:style>
+          <a:lnRef idx="3">
+            <a:schemeClr val="lt1"/>
+          </a:lnRef>
+          <a:fillRef idx="1">
+            <a:schemeClr val="accent1"/>
+          </a:fillRef>
+          <a:effectRef idx="1">
+            <a:schemeClr val="accent1"/>
+          </a:effectRef>
+          <a:fontRef idx="minor">
+            <a:schemeClr val="lt1"/>
+          </a:fontRef>
+        </p:style>
+        <p:txBody>
+          <a:bodyPr anchor="ctr"/>
+          <a:lstStyle>
+            <a:extLst/>
+          </a:lstStyle>
+          <a:p>
+            <a:pPr algn="ctr" eaLnBrk="1" latinLnBrk="0" hangingPunct="1"/>
+            <a:endParaRPr kumimoji="0" lang="en-US"/>
+          </a:p>
+        </p:txBody>
+      </p:sp>
+      <p:sp>
+        <p:nvSpPr>
+          <p:cNvPr id="3" name="Title Placeholder 2"/>
+          <p:cNvSpPr>
+            <a:spLocks noGrp="1"/>
+          </p:cNvSpPr>
+          <p:nvPr>
+            <p:ph type="title"/>
           </p:nvPr>
         </p:nvSpPr>
         <p:spPr>
           <a:xfrm>
-            <a:off x="838200" y="1825625"/>
-            <a:ext cx="10515600" cy="4351338"/>
+            <a:off x="609600" y="320040"/>
+            <a:ext cx="9652000" cy="1143000"/>
           </a:xfrm>
           <a:prstGeom prst="rect">
             <a:avLst/>
           </a:prstGeom>
         </p:spPr>
         <p:txBody>
-          <a:bodyPr vert="horz" lIns="91440" tIns="45720" rIns="91440" bIns="45720" rtlCol="0">
+          <a:bodyPr vert="horz" lIns="45720" tIns="0" rIns="45720" bIns="0" anchor="b" anchorCtr="0">
             <a:normAutofit/>
           </a:bodyPr>
-          <a:lstStyle/>
-          <a:p>
-            <a:pPr lvl="0"/>
-            <a:r>
-              <a:rPr lang="en-US" altLang="ja-JP"/>
-              <a:t>Edit Master text styles</a:t>
-            </a:r>
-          </a:p>
-          <a:p>
-            <a:pPr lvl="1"/>
-            <a:r>
-              <a:rPr lang="en-US" altLang="ja-JP"/>
-              <a:t>Second level</a:t>
-            </a:r>
-          </a:p>
-          <a:p>
-            <a:pPr lvl="2"/>
-            <a:r>
-              <a:rPr lang="en-US" altLang="ja-JP"/>
-              <a:t>Third level</a:t>
-            </a:r>
-          </a:p>
-          <a:p>
-            <a:pPr lvl="3"/>
-            <a:r>
-              <a:rPr lang="en-US" altLang="ja-JP"/>
-              <a:t>Fourth level</a:t>
-            </a:r>
-          </a:p>
-          <a:p>
-            <a:pPr lvl="4"/>
-            <a:r>
-              <a:rPr lang="en-US" altLang="ja-JP"/>
-              <a:t>Fifth level</a:t>
-            </a:r>
-            <a:endParaRPr lang="en-US" dirty="0"/>
-          </a:p>
-        </p:txBody>
-      </p:sp>
-      <p:sp>
-        <p:nvSpPr>
-          <p:cNvPr id="4" name="Date Placeholder 3"/>
-          <p:cNvSpPr>
-            <a:spLocks noGrp="1"/>
-          </p:cNvSpPr>
-          <p:nvPr>
-            <p:ph type="dt" sz="half" idx="2"/>
+          <a:lstStyle>
+            <a:extLst/>
+          </a:lstStyle>
+          <a:p>
+            <a:r>
+              <a:rPr kumimoji="0" lang="en-US" smtClean="0"/>
+              <a:t>Click to edit Master title style</a:t>
+            </a:r>
+            <a:endParaRPr kumimoji="0" lang="en-US"/>
+          </a:p>
+        </p:txBody>
+      </p:sp>
+      <p:sp>
+        <p:nvSpPr>
+          <p:cNvPr id="31" name="Text Placeholder 30"/>
+          <p:cNvSpPr>
+            <a:spLocks noGrp="1"/>
+          </p:cNvSpPr>
+          <p:nvPr>
+            <p:ph type="body" idx="1"/>
           </p:nvPr>
         </p:nvSpPr>
         <p:spPr>
           <a:xfrm>
-            <a:off x="838200" y="6356350"/>
-            <a:ext cx="2743200" cy="365125"/>
+            <a:off x="609600" y="1609416"/>
+            <a:ext cx="9652000" cy="4846320"/>
           </a:xfrm>
           <a:prstGeom prst="rect">
             <a:avLst/>
           </a:prstGeom>
         </p:spPr>
         <p:txBody>
-          <a:bodyPr vert="horz" lIns="91440" tIns="45720" rIns="91440" bIns="45720" rtlCol="0" anchor="ctr"/>
-          <a:lstStyle>
-            <a:lvl1pPr algn="l">
-              <a:defRPr sz="1200">
+          <a:bodyPr vert="horz">
+            <a:normAutofit/>
+          </a:bodyPr>
+          <a:lstStyle>
+            <a:extLst/>
+          </a:lstStyle>
+          <a:p>
+            <a:pPr lvl="0" eaLnBrk="1" latinLnBrk="0" hangingPunct="1"/>
+            <a:r>
+              <a:rPr kumimoji="0" lang="en-US" smtClean="0"/>
+              <a:t>Click to edit Master text styles</a:t>
+            </a:r>
+          </a:p>
+          <a:p>
+            <a:pPr lvl="1" eaLnBrk="1" latinLnBrk="0" hangingPunct="1"/>
+            <a:r>
+              <a:rPr kumimoji="0" lang="en-US" smtClean="0"/>
+              <a:t>Second level</a:t>
+            </a:r>
+          </a:p>
+          <a:p>
+            <a:pPr lvl="2" eaLnBrk="1" latinLnBrk="0" hangingPunct="1"/>
+            <a:r>
+              <a:rPr kumimoji="0" lang="en-US" smtClean="0"/>
+              <a:t>Third level</a:t>
+            </a:r>
+          </a:p>
+          <a:p>
+            <a:pPr lvl="3" eaLnBrk="1" latinLnBrk="0" hangingPunct="1"/>
+            <a:r>
+              <a:rPr kumimoji="0" lang="en-US" smtClean="0"/>
+              <a:t>Fourth level</a:t>
+            </a:r>
+          </a:p>
+          <a:p>
+            <a:pPr lvl="4" eaLnBrk="1" latinLnBrk="0" hangingPunct="1"/>
+            <a:r>
+              <a:rPr kumimoji="0" lang="en-US" smtClean="0"/>
+              <a:t>Fifth level</a:t>
+            </a:r>
+            <a:endParaRPr kumimoji="0" lang="en-US"/>
+          </a:p>
+        </p:txBody>
+      </p:sp>
+      <p:sp>
+        <p:nvSpPr>
+          <p:cNvPr id="27" name="Date Placeholder 26"/>
+          <p:cNvSpPr>
+            <a:spLocks noGrp="1"/>
+          </p:cNvSpPr>
+          <p:nvPr>
+            <p:ph type="dt" sz="half" idx="2"/>
+          </p:nvPr>
+        </p:nvSpPr>
+        <p:spPr>
+          <a:xfrm>
+            <a:off x="5661248" y="6557946"/>
+            <a:ext cx="2669952" cy="226902"/>
+          </a:xfrm>
+          <a:prstGeom prst="rect">
+            <a:avLst/>
+          </a:prstGeom>
+        </p:spPr>
+        <p:txBody>
+          <a:bodyPr vert="horz" tIns="0" bIns="0" anchor="b"/>
+          <a:lstStyle>
+            <a:lvl1pPr algn="l" eaLnBrk="1" latinLnBrk="0" hangingPunct="1">
+              <a:defRPr kumimoji="0" sz="1000">
                 <a:solidFill>
-                  <a:schemeClr val="tx1">
-                    <a:tint val="75000"/>
-                  </a:schemeClr>
+                  <a:schemeClr val="tx2"/>
                 </a:solidFill>
               </a:defRPr>
             </a:lvl1pPr>
+            <a:extLst/>
           </a:lstStyle>
           <a:p>
             <a:fld id="{7FCC5AE5-E495-4913-B643-A95A6AFABB00}" type="datetimeFigureOut">
               <a:rPr kumimoji="1" lang="ja-JP" altLang="en-US" smtClean="0"/>
               <a:pPr/>
-              <a:t>2022/8/24</a:t>
+              <a:t>2022/8/25</a:t>
             </a:fld>
             <a:endParaRPr kumimoji="1" lang="ja-JP" altLang="en-US"/>
           </a:p>
@@ -2619,7 +3179,7 @@
       </p:sp>
       <p:sp>
         <p:nvSpPr>
-          <p:cNvPr id="5" name="Footer Placeholder 4"/>
+          <p:cNvPr id="4" name="Footer Placeholder 3"/>
           <p:cNvSpPr>
             <a:spLocks noGrp="1"/>
           </p:cNvSpPr>
@@ -2629,25 +3189,24 @@
         </p:nvSpPr>
         <p:spPr>
           <a:xfrm>
-            <a:off x="4038600" y="6356350"/>
-            <a:ext cx="4114800" cy="365125"/>
+            <a:off x="609600" y="6557946"/>
+            <a:ext cx="4876800" cy="228600"/>
           </a:xfrm>
           <a:prstGeom prst="rect">
             <a:avLst/>
           </a:prstGeom>
         </p:spPr>
         <p:txBody>
-          <a:bodyPr vert="horz" lIns="91440" tIns="45720" rIns="91440" bIns="45720" rtlCol="0" anchor="ctr"/>
-          <a:lstStyle>
-            <a:lvl1pPr algn="ctr">
-              <a:defRPr sz="1200">
+          <a:bodyPr vert="horz" tIns="0" bIns="0" anchor="b"/>
+          <a:lstStyle>
+            <a:lvl1pPr algn="r" eaLnBrk="1" latinLnBrk="0" hangingPunct="1">
+              <a:defRPr kumimoji="0" sz="1000">
                 <a:solidFill>
-                  <a:schemeClr val="tx1">
-                    <a:tint val="75000"/>
-                  </a:schemeClr>
+                  <a:schemeClr val="tx2"/>
                 </a:solidFill>
               </a:defRPr>
             </a:lvl1pPr>
+            <a:extLst/>
           </a:lstStyle>
           <a:p>
             <a:endParaRPr kumimoji="1" lang="ja-JP" altLang="en-US"/>
@@ -2656,7 +3215,7 @@
       </p:sp>
       <p:sp>
         <p:nvSpPr>
-          <p:cNvPr id="6" name="Slide Number Placeholder 5"/>
+          <p:cNvPr id="16" name="Slide Number Placeholder 15"/>
           <p:cNvSpPr>
             <a:spLocks noGrp="1"/>
           </p:cNvSpPr>
@@ -2666,25 +3225,24 @@
         </p:nvSpPr>
         <p:spPr>
           <a:xfrm>
-            <a:off x="8610600" y="6356350"/>
-            <a:ext cx="2743200" cy="365125"/>
+            <a:off x="8335264" y="6556248"/>
+            <a:ext cx="784448" cy="228600"/>
           </a:xfrm>
           <a:prstGeom prst="rect">
             <a:avLst/>
           </a:prstGeom>
         </p:spPr>
         <p:txBody>
-          <a:bodyPr vert="horz" lIns="91440" tIns="45720" rIns="91440" bIns="45720" rtlCol="0" anchor="ctr"/>
-          <a:lstStyle>
-            <a:lvl1pPr algn="r">
-              <a:defRPr sz="1200">
+          <a:bodyPr vert="horz" lIns="0" tIns="0" rIns="0" bIns="0" anchor="b"/>
+          <a:lstStyle>
+            <a:lvl1pPr algn="r" eaLnBrk="1" latinLnBrk="0" hangingPunct="1">
+              <a:defRPr kumimoji="0" sz="1100">
                 <a:solidFill>
-                  <a:schemeClr val="tx1">
-                    <a:tint val="75000"/>
-                  </a:schemeClr>
+                  <a:schemeClr val="tx2"/>
                 </a:solidFill>
               </a:defRPr>
             </a:lvl1pPr>
+            <a:extLst/>
           </a:lstStyle>
           <a:p>
             <a:fld id="{70A8A157-56DF-4B3D-9650-5955C7C8710E}" type="slidenum">
@@ -2696,107 +3254,88 @@
           </a:p>
         </p:txBody>
       </p:sp>
-      <p:sp>
-        <p:nvSpPr>
-          <p:cNvPr id="7" name="TextBox 6">
-            <a:extLst>
-              <a:ext uri="{FF2B5EF4-FFF2-40B4-BE49-F238E27FC236}">
-                <a16:creationId xmlns:a16="http://schemas.microsoft.com/office/drawing/2014/main" xmlns="" id="{847969B0-9AAB-4EBF-AF99-17A470D83F03}"/>
-              </a:ext>
-            </a:extLst>
-          </p:cNvPr>
-          <p:cNvSpPr txBox="1"/>
-          <p:nvPr/>
-        </p:nvSpPr>
-        <p:spPr>
-          <a:xfrm rot="18771082">
-            <a:off x="2371661" y="3320685"/>
-            <a:ext cx="5953880" cy="1015663"/>
-          </a:xfrm>
-          <a:prstGeom prst="rect">
-            <a:avLst/>
-          </a:prstGeom>
-          <a:noFill/>
-        </p:spPr>
-        <p:txBody>
-          <a:bodyPr wrap="square" rtlCol="0">
-            <a:spAutoFit/>
-          </a:bodyPr>
-          <a:lstStyle/>
-          <a:p>
-            <a:pPr algn="ctr"/>
-            <a:r>
-              <a:rPr lang="en-US" sz="6000" dirty="0">
-                <a:solidFill>
-                  <a:schemeClr val="bg1">
-                    <a:lumMod val="95000"/>
-                  </a:schemeClr>
-                </a:solidFill>
-              </a:rPr>
-              <a:t>Credo Systemz</a:t>
-            </a:r>
-            <a:endParaRPr lang="en-IN" sz="6000" dirty="0">
-              <a:solidFill>
-                <a:schemeClr val="bg1">
-                  <a:lumMod val="95000"/>
-                </a:schemeClr>
-              </a:solidFill>
-            </a:endParaRPr>
-          </a:p>
-        </p:txBody>
-      </p:sp>
     </p:spTree>
-    <p:extLst>
-      <p:ext uri="{BB962C8B-B14F-4D97-AF65-F5344CB8AC3E}">
-        <p14:creationId xmlns:p14="http://schemas.microsoft.com/office/powerpoint/2010/main" xmlns="" val="492407304"/>
-      </p:ext>
-    </p:extLst>
   </p:cSld>
   <p:clrMap bg1="lt1" tx1="dk1" bg2="lt2" tx2="dk2" accent1="accent1" accent2="accent2" accent3="accent3" accent4="accent4" accent5="accent5" accent6="accent6" hlink="hlink" folHlink="folHlink"/>
   <p:sldLayoutIdLst>
-    <p:sldLayoutId id="2147483661" r:id="rId1"/>
-    <p:sldLayoutId id="2147483662" r:id="rId2"/>
-    <p:sldLayoutId id="2147483663" r:id="rId3"/>
-    <p:sldLayoutId id="2147483664" r:id="rId4"/>
-    <p:sldLayoutId id="2147483665" r:id="rId5"/>
-    <p:sldLayoutId id="2147483666" r:id="rId6"/>
-    <p:sldLayoutId id="2147483667" r:id="rId7"/>
-    <p:sldLayoutId id="2147483668" r:id="rId8"/>
-    <p:sldLayoutId id="2147483669" r:id="rId9"/>
-    <p:sldLayoutId id="2147483670" r:id="rId10"/>
-    <p:sldLayoutId id="2147483671" r:id="rId11"/>
+    <p:sldLayoutId id="2147483685" r:id="rId1"/>
+    <p:sldLayoutId id="2147483686" r:id="rId2"/>
+    <p:sldLayoutId id="2147483687" r:id="rId3"/>
+    <p:sldLayoutId id="2147483688" r:id="rId4"/>
+    <p:sldLayoutId id="2147483689" r:id="rId5"/>
+    <p:sldLayoutId id="2147483690" r:id="rId6"/>
+    <p:sldLayoutId id="2147483691" r:id="rId7"/>
+    <p:sldLayoutId id="2147483692" r:id="rId8"/>
+    <p:sldLayoutId id="2147483693" r:id="rId9"/>
+    <p:sldLayoutId id="2147483694" r:id="rId10"/>
+    <p:sldLayoutId id="2147483695" r:id="rId11"/>
   </p:sldLayoutIdLst>
   <p:txStyles>
     <p:titleStyle>
-      <a:lvl1pPr algn="l" defTabSz="914400" rtl="0" eaLnBrk="1" latinLnBrk="0" hangingPunct="1">
-        <a:lnSpc>
-          <a:spcPct val="90000"/>
-        </a:lnSpc>
+      <a:lvl1pPr algn="l" rtl="0" eaLnBrk="1" latinLnBrk="0" hangingPunct="1">
         <a:spcBef>
           <a:spcPct val="0"/>
         </a:spcBef>
         <a:buNone/>
-        <a:defRPr kumimoji="1" sz="4400" kern="1200">
-          <a:solidFill>
-            <a:schemeClr val="tx1"/>
-          </a:solidFill>
+        <a:defRPr kumimoji="0" sz="3800" b="1" kern="1200" cap="all" baseline="0">
+          <a:ln w="500">
+            <a:solidFill>
+              <a:schemeClr val="tx2">
+                <a:shade val="20000"/>
+                <a:satMod val="120000"/>
+              </a:schemeClr>
+            </a:solidFill>
+          </a:ln>
+          <a:gradFill>
+            <a:gsLst>
+              <a:gs pos="0">
+                <a:schemeClr val="accent4">
+                  <a:tint val="13000"/>
+                </a:schemeClr>
+              </a:gs>
+              <a:gs pos="10000">
+                <a:schemeClr val="accent4">
+                  <a:tint val="20000"/>
+                </a:schemeClr>
+              </a:gs>
+              <a:gs pos="49000">
+                <a:schemeClr val="accent4">
+                  <a:tint val="70000"/>
+                </a:schemeClr>
+              </a:gs>
+              <a:gs pos="50000">
+                <a:schemeClr val="accent4">
+                  <a:tint val="97000"/>
+                </a:schemeClr>
+              </a:gs>
+              <a:gs pos="100000">
+                <a:schemeClr val="accent4">
+                  <a:tint val="20000"/>
+                </a:schemeClr>
+              </a:gs>
+            </a:gsLst>
+            <a:lin ang="5400000" scaled="1"/>
+          </a:gradFill>
+          <a:effectLst/>
           <a:latin typeface="+mj-lt"/>
           <a:ea typeface="+mj-ea"/>
           <a:cs typeface="+mj-cs"/>
         </a:defRPr>
       </a:lvl1pPr>
+      <a:extLst/>
     </p:titleStyle>
     <p:bodyStyle>
-      <a:lvl1pPr marL="228600" indent="-228600" algn="l" defTabSz="914400" rtl="0" eaLnBrk="1" latinLnBrk="0" hangingPunct="1">
-        <a:lnSpc>
-          <a:spcPct val="90000"/>
-        </a:lnSpc>
+      <a:lvl1pPr marL="274320" indent="-274320" algn="l" rtl="0" eaLnBrk="1" latinLnBrk="0" hangingPunct="1">
         <a:spcBef>
-          <a:spcPts val="1000"/>
+          <a:spcPts val="600"/>
         </a:spcBef>
-        <a:buFont typeface="Arial" panose="020B0604020202020204" pitchFamily="34" charset="0"/>
-        <a:buChar char="•"/>
-        <a:defRPr kumimoji="1" sz="2800" kern="1200">
+        <a:buClr>
+          <a:schemeClr val="tx2"/>
+        </a:buClr>
+        <a:buSzPct val="73000"/>
+        <a:buFont typeface="Wingdings 2"/>
+        <a:buChar char=""/>
+        <a:defRPr kumimoji="0" sz="2600" kern="1200" baseline="0">
           <a:solidFill>
             <a:schemeClr val="tx1"/>
           </a:solidFill>
@@ -2805,16 +3344,180 @@
           <a:cs typeface="+mn-cs"/>
         </a:defRPr>
       </a:lvl1pPr>
-      <a:lvl2pPr marL="685800" indent="-228600" algn="l" defTabSz="914400" rtl="0" eaLnBrk="1" latinLnBrk="0" hangingPunct="1">
-        <a:lnSpc>
-          <a:spcPct val="90000"/>
-        </a:lnSpc>
+      <a:lvl2pPr marL="521208" indent="-228600" algn="l" rtl="0" eaLnBrk="1" latinLnBrk="0" hangingPunct="1">
         <a:spcBef>
           <a:spcPts val="500"/>
         </a:spcBef>
-        <a:buFont typeface="Arial" panose="020B0604020202020204" pitchFamily="34" charset="0"/>
+        <a:buClr>
+          <a:schemeClr val="accent4"/>
+        </a:buClr>
+        <a:buSzPct val="80000"/>
+        <a:buFont typeface="Wingdings 2"/>
+        <a:buChar char=""/>
+        <a:defRPr kumimoji="0" sz="2300" kern="1200">
+          <a:solidFill>
+            <a:schemeClr val="tx1">
+              <a:tint val="85000"/>
+            </a:schemeClr>
+          </a:solidFill>
+          <a:latin typeface="+mn-lt"/>
+          <a:ea typeface="+mn-ea"/>
+          <a:cs typeface="+mn-cs"/>
+        </a:defRPr>
+      </a:lvl2pPr>
+      <a:lvl3pPr marL="758952" indent="-228600" algn="l" rtl="0" eaLnBrk="1" latinLnBrk="0" hangingPunct="1">
+        <a:spcBef>
+          <a:spcPts val="400"/>
+        </a:spcBef>
+        <a:buClr>
+          <a:schemeClr val="accent4"/>
+        </a:buClr>
+        <a:buSzPct val="60000"/>
+        <a:buFont typeface="Wingdings"/>
+        <a:buChar char=""/>
+        <a:defRPr kumimoji="0" sz="2000" kern="1200">
+          <a:solidFill>
+            <a:schemeClr val="tx1"/>
+          </a:solidFill>
+          <a:latin typeface="+mn-lt"/>
+          <a:ea typeface="+mn-ea"/>
+          <a:cs typeface="+mn-cs"/>
+        </a:defRPr>
+      </a:lvl3pPr>
+      <a:lvl4pPr marL="1005840" indent="-228600" algn="l" rtl="0" eaLnBrk="1" latinLnBrk="0" hangingPunct="1">
+        <a:spcBef>
+          <a:spcPct val="20000"/>
+        </a:spcBef>
+        <a:buClr>
+          <a:schemeClr val="accent4"/>
+        </a:buClr>
+        <a:buSzPct val="80000"/>
+        <a:buFont typeface="Wingdings 2"/>
+        <a:buChar char=""/>
+        <a:defRPr kumimoji="0" sz="2000" kern="1200">
+          <a:solidFill>
+            <a:schemeClr val="tx1">
+              <a:tint val="85000"/>
+            </a:schemeClr>
+          </a:solidFill>
+          <a:latin typeface="+mn-lt"/>
+          <a:ea typeface="+mn-ea"/>
+          <a:cs typeface="+mn-cs"/>
+        </a:defRPr>
+      </a:lvl4pPr>
+      <a:lvl5pPr marL="1280160" indent="-228600" algn="l" rtl="0" eaLnBrk="1" latinLnBrk="0" hangingPunct="1">
+        <a:spcBef>
+          <a:spcPts val="400"/>
+        </a:spcBef>
+        <a:buClr>
+          <a:schemeClr val="accent4"/>
+        </a:buClr>
+        <a:buSzPct val="70000"/>
+        <a:buFont typeface="Wingdings"/>
+        <a:buChar char=""/>
+        <a:defRPr kumimoji="0" sz="1800" kern="1200">
+          <a:solidFill>
+            <a:schemeClr val="tx1"/>
+          </a:solidFill>
+          <a:latin typeface="+mn-lt"/>
+          <a:ea typeface="+mn-ea"/>
+          <a:cs typeface="+mn-cs"/>
+        </a:defRPr>
+      </a:lvl5pPr>
+      <a:lvl6pPr marL="1472184" indent="-182880" algn="l" rtl="0" eaLnBrk="1" latinLnBrk="0" hangingPunct="1">
+        <a:spcBef>
+          <a:spcPts val="400"/>
+        </a:spcBef>
+        <a:buClr>
+          <a:schemeClr val="accent4"/>
+        </a:buClr>
+        <a:buSzPct val="80000"/>
+        <a:buFont typeface="Wingdings 2"/>
+        <a:buChar char=""/>
+        <a:defRPr kumimoji="0" sz="1800" kern="1200">
+          <a:solidFill>
+            <a:schemeClr val="tx1">
+              <a:tint val="85000"/>
+            </a:schemeClr>
+          </a:solidFill>
+          <a:latin typeface="+mn-lt"/>
+          <a:ea typeface="+mn-ea"/>
+          <a:cs typeface="+mn-cs"/>
+        </a:defRPr>
+      </a:lvl6pPr>
+      <a:lvl7pPr marL="1673352" indent="-182880" algn="l" rtl="0" eaLnBrk="1" latinLnBrk="0" hangingPunct="1">
+        <a:spcBef>
+          <a:spcPct val="20000"/>
+        </a:spcBef>
+        <a:buClr>
+          <a:schemeClr val="accent4"/>
+        </a:buClr>
+        <a:buSzPct val="80000"/>
+        <a:buFont typeface="Wingdings 2"/>
+        <a:buChar char=""/>
+        <a:defRPr kumimoji="0" sz="1600" kern="1200" baseline="0">
+          <a:solidFill>
+            <a:schemeClr val="tx1"/>
+          </a:solidFill>
+          <a:latin typeface="+mn-lt"/>
+          <a:ea typeface="+mn-ea"/>
+          <a:cs typeface="+mn-cs"/>
+        </a:defRPr>
+      </a:lvl7pPr>
+      <a:lvl8pPr marL="1847088" indent="-182880" algn="l" rtl="0" eaLnBrk="1" latinLnBrk="0" hangingPunct="1">
+        <a:spcBef>
+          <a:spcPts val="300"/>
+        </a:spcBef>
+        <a:buClr>
+          <a:schemeClr val="accent4"/>
+        </a:buClr>
+        <a:buSzPct val="100000"/>
         <a:buChar char="•"/>
-        <a:defRPr kumimoji="1" sz="2400" kern="1200">
+        <a:defRPr kumimoji="0" sz="1600" kern="1200" baseline="0">
+          <a:solidFill>
+            <a:schemeClr val="tx1">
+              <a:tint val="85000"/>
+            </a:schemeClr>
+          </a:solidFill>
+          <a:latin typeface="+mn-lt"/>
+          <a:ea typeface="+mn-ea"/>
+          <a:cs typeface="+mn-cs"/>
+        </a:defRPr>
+      </a:lvl8pPr>
+      <a:lvl9pPr marL="2057400" indent="-182880" algn="l" rtl="0" eaLnBrk="1" latinLnBrk="0" hangingPunct="1">
+        <a:spcBef>
+          <a:spcPct val="20000"/>
+        </a:spcBef>
+        <a:buClr>
+          <a:schemeClr val="accent4"/>
+        </a:buClr>
+        <a:buSzPct val="100000"/>
+        <a:buFont typeface="Wingdings"/>
+        <a:buChar char="§"/>
+        <a:defRPr kumimoji="0" sz="1400" kern="1200" baseline="0">
+          <a:solidFill>
+            <a:schemeClr val="tx1"/>
+          </a:solidFill>
+          <a:latin typeface="+mn-lt"/>
+          <a:ea typeface="+mn-ea"/>
+          <a:cs typeface="+mn-cs"/>
+        </a:defRPr>
+      </a:lvl9pPr>
+      <a:extLst/>
+    </p:bodyStyle>
+    <p:otherStyle>
+      <a:lvl1pPr marL="0" algn="l" rtl="0" eaLnBrk="1" latinLnBrk="0" hangingPunct="1">
+        <a:defRPr kumimoji="0" kern="1200">
+          <a:solidFill>
+            <a:schemeClr val="tx1"/>
+          </a:solidFill>
+          <a:latin typeface="+mn-lt"/>
+          <a:ea typeface="+mn-ea"/>
+          <a:cs typeface="+mn-cs"/>
+        </a:defRPr>
+      </a:lvl1pPr>
+      <a:lvl2pPr marL="457200" algn="l" rtl="0" eaLnBrk="1" latinLnBrk="0" hangingPunct="1">
+        <a:defRPr kumimoji="0" kern="1200">
           <a:solidFill>
             <a:schemeClr val="tx1"/>
           </a:solidFill>
@@ -2823,16 +3526,8 @@
           <a:cs typeface="+mn-cs"/>
         </a:defRPr>
       </a:lvl2pPr>
-      <a:lvl3pPr marL="1143000" indent="-228600" algn="l" defTabSz="914400" rtl="0" eaLnBrk="1" latinLnBrk="0" hangingPunct="1">
-        <a:lnSpc>
-          <a:spcPct val="90000"/>
-        </a:lnSpc>
-        <a:spcBef>
-          <a:spcPts val="500"/>
-        </a:spcBef>
-        <a:buFont typeface="Arial" panose="020B0604020202020204" pitchFamily="34" charset="0"/>
-        <a:buChar char="•"/>
-        <a:defRPr kumimoji="1" sz="2000" kern="1200">
+      <a:lvl3pPr marL="914400" algn="l" rtl="0" eaLnBrk="1" latinLnBrk="0" hangingPunct="1">
+        <a:defRPr kumimoji="0" kern="1200">
           <a:solidFill>
             <a:schemeClr val="tx1"/>
           </a:solidFill>
@@ -2841,16 +3536,8 @@
           <a:cs typeface="+mn-cs"/>
         </a:defRPr>
       </a:lvl3pPr>
-      <a:lvl4pPr marL="1600200" indent="-228600" algn="l" defTabSz="914400" rtl="0" eaLnBrk="1" latinLnBrk="0" hangingPunct="1">
-        <a:lnSpc>
-          <a:spcPct val="90000"/>
-        </a:lnSpc>
-        <a:spcBef>
-          <a:spcPts val="500"/>
-        </a:spcBef>
-        <a:buFont typeface="Arial" panose="020B0604020202020204" pitchFamily="34" charset="0"/>
-        <a:buChar char="•"/>
-        <a:defRPr kumimoji="1" sz="1800" kern="1200">
+      <a:lvl4pPr marL="1371600" algn="l" rtl="0" eaLnBrk="1" latinLnBrk="0" hangingPunct="1">
+        <a:defRPr kumimoji="0" kern="1200">
           <a:solidFill>
             <a:schemeClr val="tx1"/>
           </a:solidFill>
@@ -2859,16 +3546,8 @@
           <a:cs typeface="+mn-cs"/>
         </a:defRPr>
       </a:lvl4pPr>
-      <a:lvl5pPr marL="2057400" indent="-228600" algn="l" defTabSz="914400" rtl="0" eaLnBrk="1" latinLnBrk="0" hangingPunct="1">
-        <a:lnSpc>
-          <a:spcPct val="90000"/>
-        </a:lnSpc>
-        <a:spcBef>
-          <a:spcPts val="500"/>
-        </a:spcBef>
-        <a:buFont typeface="Arial" panose="020B0604020202020204" pitchFamily="34" charset="0"/>
-        <a:buChar char="•"/>
-        <a:defRPr kumimoji="1" sz="1800" kern="1200">
+      <a:lvl5pPr marL="1828800" algn="l" rtl="0" eaLnBrk="1" latinLnBrk="0" hangingPunct="1">
+        <a:defRPr kumimoji="0" kern="1200">
           <a:solidFill>
             <a:schemeClr val="tx1"/>
           </a:solidFill>
@@ -2877,16 +3556,8 @@
           <a:cs typeface="+mn-cs"/>
         </a:defRPr>
       </a:lvl5pPr>
-      <a:lvl6pPr marL="2514600" indent="-228600" algn="l" defTabSz="914400" rtl="0" eaLnBrk="1" latinLnBrk="0" hangingPunct="1">
-        <a:lnSpc>
-          <a:spcPct val="90000"/>
-        </a:lnSpc>
-        <a:spcBef>
-          <a:spcPts val="500"/>
-        </a:spcBef>
-        <a:buFont typeface="Arial" panose="020B0604020202020204" pitchFamily="34" charset="0"/>
-        <a:buChar char="•"/>
-        <a:defRPr kumimoji="1" sz="1800" kern="1200">
+      <a:lvl6pPr marL="2286000" algn="l" rtl="0" eaLnBrk="1" latinLnBrk="0" hangingPunct="1">
+        <a:defRPr kumimoji="0" kern="1200">
           <a:solidFill>
             <a:schemeClr val="tx1"/>
           </a:solidFill>
@@ -2895,16 +3566,8 @@
           <a:cs typeface="+mn-cs"/>
         </a:defRPr>
       </a:lvl6pPr>
-      <a:lvl7pPr marL="2971800" indent="-228600" algn="l" defTabSz="914400" rtl="0" eaLnBrk="1" latinLnBrk="0" hangingPunct="1">
-        <a:lnSpc>
-          <a:spcPct val="90000"/>
-        </a:lnSpc>
-        <a:spcBef>
-          <a:spcPts val="500"/>
-        </a:spcBef>
-        <a:buFont typeface="Arial" panose="020B0604020202020204" pitchFamily="34" charset="0"/>
-        <a:buChar char="•"/>
-        <a:defRPr kumimoji="1" sz="1800" kern="1200">
+      <a:lvl7pPr marL="2743200" algn="l" rtl="0" eaLnBrk="1" latinLnBrk="0" hangingPunct="1">
+        <a:defRPr kumimoji="0" kern="1200">
           <a:solidFill>
             <a:schemeClr val="tx1"/>
           </a:solidFill>
@@ -2913,16 +3576,8 @@
           <a:cs typeface="+mn-cs"/>
         </a:defRPr>
       </a:lvl7pPr>
-      <a:lvl8pPr marL="3429000" indent="-228600" algn="l" defTabSz="914400" rtl="0" eaLnBrk="1" latinLnBrk="0" hangingPunct="1">
-        <a:lnSpc>
-          <a:spcPct val="90000"/>
-        </a:lnSpc>
-        <a:spcBef>
-          <a:spcPts val="500"/>
-        </a:spcBef>
-        <a:buFont typeface="Arial" panose="020B0604020202020204" pitchFamily="34" charset="0"/>
-        <a:buChar char="•"/>
-        <a:defRPr kumimoji="1" sz="1800" kern="1200">
+      <a:lvl8pPr marL="3200400" algn="l" rtl="0" eaLnBrk="1" latinLnBrk="0" hangingPunct="1">
+        <a:defRPr kumimoji="0" kern="1200">
           <a:solidFill>
             <a:schemeClr val="tx1"/>
           </a:solidFill>
@@ -2931,16 +3586,8 @@
           <a:cs typeface="+mn-cs"/>
         </a:defRPr>
       </a:lvl8pPr>
-      <a:lvl9pPr marL="3886200" indent="-228600" algn="l" defTabSz="914400" rtl="0" eaLnBrk="1" latinLnBrk="0" hangingPunct="1">
-        <a:lnSpc>
-          <a:spcPct val="90000"/>
-        </a:lnSpc>
-        <a:spcBef>
-          <a:spcPts val="500"/>
-        </a:spcBef>
-        <a:buFont typeface="Arial" panose="020B0604020202020204" pitchFamily="34" charset="0"/>
-        <a:buChar char="•"/>
-        <a:defRPr kumimoji="1" sz="1800" kern="1200">
+      <a:lvl9pPr marL="3657600" algn="l" rtl="0" eaLnBrk="1" latinLnBrk="0" hangingPunct="1">
+        <a:defRPr kumimoji="0" kern="1200">
           <a:solidFill>
             <a:schemeClr val="tx1"/>
           </a:solidFill>
@@ -2949,101 +3596,7 @@
           <a:cs typeface="+mn-cs"/>
         </a:defRPr>
       </a:lvl9pPr>
-    </p:bodyStyle>
-    <p:otherStyle>
-      <a:defPPr>
-        <a:defRPr lang="en-US"/>
-      </a:defPPr>
-      <a:lvl1pPr marL="0" algn="l" defTabSz="914400" rtl="0" eaLnBrk="1" latinLnBrk="0" hangingPunct="1">
-        <a:defRPr kumimoji="1" sz="1800" kern="1200">
-          <a:solidFill>
-            <a:schemeClr val="tx1"/>
-          </a:solidFill>
-          <a:latin typeface="+mn-lt"/>
-          <a:ea typeface="+mn-ea"/>
-          <a:cs typeface="+mn-cs"/>
-        </a:defRPr>
-      </a:lvl1pPr>
-      <a:lvl2pPr marL="457200" algn="l" defTabSz="914400" rtl="0" eaLnBrk="1" latinLnBrk="0" hangingPunct="1">
-        <a:defRPr kumimoji="1" sz="1800" kern="1200">
-          <a:solidFill>
-            <a:schemeClr val="tx1"/>
-          </a:solidFill>
-          <a:latin typeface="+mn-lt"/>
-          <a:ea typeface="+mn-ea"/>
-          <a:cs typeface="+mn-cs"/>
-        </a:defRPr>
-      </a:lvl2pPr>
-      <a:lvl3pPr marL="914400" algn="l" defTabSz="914400" rtl="0" eaLnBrk="1" latinLnBrk="0" hangingPunct="1">
-        <a:defRPr kumimoji="1" sz="1800" kern="1200">
-          <a:solidFill>
-            <a:schemeClr val="tx1"/>
-          </a:solidFill>
-          <a:latin typeface="+mn-lt"/>
-          <a:ea typeface="+mn-ea"/>
-          <a:cs typeface="+mn-cs"/>
-        </a:defRPr>
-      </a:lvl3pPr>
-      <a:lvl4pPr marL="1371600" algn="l" defTabSz="914400" rtl="0" eaLnBrk="1" latinLnBrk="0" hangingPunct="1">
-        <a:defRPr kumimoji="1" sz="1800" kern="1200">
-          <a:solidFill>
-            <a:schemeClr val="tx1"/>
-          </a:solidFill>
-          <a:latin typeface="+mn-lt"/>
-          <a:ea typeface="+mn-ea"/>
-          <a:cs typeface="+mn-cs"/>
-        </a:defRPr>
-      </a:lvl4pPr>
-      <a:lvl5pPr marL="1828800" algn="l" defTabSz="914400" rtl="0" eaLnBrk="1" latinLnBrk="0" hangingPunct="1">
-        <a:defRPr kumimoji="1" sz="1800" kern="1200">
-          <a:solidFill>
-            <a:schemeClr val="tx1"/>
-          </a:solidFill>
-          <a:latin typeface="+mn-lt"/>
-          <a:ea typeface="+mn-ea"/>
-          <a:cs typeface="+mn-cs"/>
-        </a:defRPr>
-      </a:lvl5pPr>
-      <a:lvl6pPr marL="2286000" algn="l" defTabSz="914400" rtl="0" eaLnBrk="1" latinLnBrk="0" hangingPunct="1">
-        <a:defRPr kumimoji="1" sz="1800" kern="1200">
-          <a:solidFill>
-            <a:schemeClr val="tx1"/>
-          </a:solidFill>
-          <a:latin typeface="+mn-lt"/>
-          <a:ea typeface="+mn-ea"/>
-          <a:cs typeface="+mn-cs"/>
-        </a:defRPr>
-      </a:lvl6pPr>
-      <a:lvl7pPr marL="2743200" algn="l" defTabSz="914400" rtl="0" eaLnBrk="1" latinLnBrk="0" hangingPunct="1">
-        <a:defRPr kumimoji="1" sz="1800" kern="1200">
-          <a:solidFill>
-            <a:schemeClr val="tx1"/>
-          </a:solidFill>
-          <a:latin typeface="+mn-lt"/>
-          <a:ea typeface="+mn-ea"/>
-          <a:cs typeface="+mn-cs"/>
-        </a:defRPr>
-      </a:lvl7pPr>
-      <a:lvl8pPr marL="3200400" algn="l" defTabSz="914400" rtl="0" eaLnBrk="1" latinLnBrk="0" hangingPunct="1">
-        <a:defRPr kumimoji="1" sz="1800" kern="1200">
-          <a:solidFill>
-            <a:schemeClr val="tx1"/>
-          </a:solidFill>
-          <a:latin typeface="+mn-lt"/>
-          <a:ea typeface="+mn-ea"/>
-          <a:cs typeface="+mn-cs"/>
-        </a:defRPr>
-      </a:lvl8pPr>
-      <a:lvl9pPr marL="3657600" algn="l" defTabSz="914400" rtl="0" eaLnBrk="1" latinLnBrk="0" hangingPunct="1">
-        <a:defRPr kumimoji="1" sz="1800" kern="1200">
-          <a:solidFill>
-            <a:schemeClr val="tx1"/>
-          </a:solidFill>
-          <a:latin typeface="+mn-lt"/>
-          <a:ea typeface="+mn-ea"/>
-          <a:cs typeface="+mn-cs"/>
-        </a:defRPr>
-      </a:lvl9pPr>
+      <a:extLst/>
     </p:otherStyle>
   </p:txStyles>
 </p:sldMaster>
@@ -3075,7 +3628,7 @@
         <p:spPr>
           <a:xfrm>
             <a:off x="0" y="0"/>
-            <a:ext cx="5617029" cy="6858000"/>
+            <a:ext cx="4010297" cy="6858000"/>
           </a:xfrm>
           <a:prstGeom prst="rect">
             <a:avLst/>
@@ -3241,15 +3794,14 @@
         </p:nvPicPr>
         <p:blipFill>
           <a:blip r:embed="rId2"/>
-          <a:srcRect/>
           <a:stretch>
             <a:fillRect/>
           </a:stretch>
         </p:blipFill>
         <p:spPr bwMode="auto">
           <a:xfrm>
-            <a:off x="914400" y="1864814"/>
-            <a:ext cx="10502537" cy="4351338"/>
+            <a:off x="1220787" y="1799431"/>
+            <a:ext cx="8429625" cy="4467225"/>
           </a:xfrm>
           <a:prstGeom prst="rect">
             <a:avLst/>
@@ -3308,15 +3860,32 @@
           </a:p>
         </p:txBody>
       </p:sp>
+      <p:sp>
+        <p:nvSpPr>
+          <p:cNvPr id="4" name="Content Placeholder 3"/>
+          <p:cNvSpPr>
+            <a:spLocks noGrp="1"/>
+          </p:cNvSpPr>
+          <p:nvPr>
+            <p:ph idx="1"/>
+          </p:nvPr>
+        </p:nvSpPr>
+        <p:spPr/>
+        <p:txBody>
+          <a:bodyPr/>
+          <a:lstStyle/>
+          <a:p>
+            <a:endParaRPr lang="en-US"/>
+          </a:p>
+        </p:txBody>
+      </p:sp>
       <p:pic>
         <p:nvPicPr>
-          <p:cNvPr id="1026" name="Picture 2"/>
+          <p:cNvPr id="2050" name="Picture 2"/>
           <p:cNvPicPr>
-            <a:picLocks noGrp="1" noChangeAspect="1" noChangeArrowheads="1"/>
+            <a:picLocks noChangeAspect="1" noChangeArrowheads="1"/>
           </p:cNvPicPr>
-          <p:nvPr>
-            <p:ph idx="1"/>
-          </p:nvPr>
+          <p:nvPr/>
         </p:nvPicPr>
         <p:blipFill>
           <a:blip r:embed="rId2"/>
@@ -3327,8 +3896,8 @@
         </p:blipFill>
         <p:spPr bwMode="auto">
           <a:xfrm>
-            <a:off x="801421" y="378822"/>
-            <a:ext cx="10929024" cy="6087291"/>
+            <a:off x="1532301" y="2527935"/>
+            <a:ext cx="9153525" cy="2533650"/>
           </a:xfrm>
           <a:prstGeom prst="rect">
             <a:avLst/>
@@ -3470,15 +4039,32 @@
           </a:p>
         </p:txBody>
       </p:sp>
+      <p:sp>
+        <p:nvSpPr>
+          <p:cNvPr id="4" name="Content Placeholder 3"/>
+          <p:cNvSpPr>
+            <a:spLocks noGrp="1"/>
+          </p:cNvSpPr>
+          <p:nvPr>
+            <p:ph idx="1"/>
+          </p:nvPr>
+        </p:nvSpPr>
+        <p:spPr/>
+        <p:txBody>
+          <a:bodyPr/>
+          <a:lstStyle/>
+          <a:p>
+            <a:endParaRPr lang="en-US"/>
+          </a:p>
+        </p:txBody>
+      </p:sp>
       <p:pic>
         <p:nvPicPr>
-          <p:cNvPr id="3074" name="Picture 2"/>
+          <p:cNvPr id="1026" name="Picture 2"/>
           <p:cNvPicPr>
-            <a:picLocks noGrp="1" noChangeAspect="1" noChangeArrowheads="1"/>
+            <a:picLocks noChangeAspect="1" noChangeArrowheads="1"/>
           </p:cNvPicPr>
-          <p:nvPr>
-            <p:ph idx="1"/>
-          </p:nvPr>
+          <p:nvPr/>
         </p:nvPicPr>
         <p:blipFill>
           <a:blip r:embed="rId2"/>
@@ -3489,8 +4075,8 @@
         </p:blipFill>
         <p:spPr bwMode="auto">
           <a:xfrm>
-            <a:off x="1319350" y="1580605"/>
-            <a:ext cx="9379130" cy="4624252"/>
+            <a:off x="1871663" y="1884317"/>
+            <a:ext cx="8448675" cy="4343400"/>
           </a:xfrm>
           <a:prstGeom prst="rect">
             <a:avLst/>
@@ -3648,15 +4234,14 @@
         </p:nvPicPr>
         <p:blipFill>
           <a:blip r:embed="rId2"/>
-          <a:srcRect/>
           <a:stretch>
             <a:fillRect/>
           </a:stretch>
         </p:blipFill>
         <p:spPr bwMode="auto">
           <a:xfrm>
-            <a:off x="2580005" y="1825625"/>
-            <a:ext cx="7031989" cy="4351338"/>
+            <a:off x="1887537" y="1837531"/>
+            <a:ext cx="7096125" cy="4391025"/>
           </a:xfrm>
           <a:prstGeom prst="rect">
             <a:avLst/>
@@ -3975,7 +4560,9 @@
         </p:nvSpPr>
         <p:spPr/>
         <p:txBody>
-          <a:bodyPr/>
+          <a:bodyPr>
+            <a:normAutofit fontScale="90000"/>
+          </a:bodyPr>
           <a:lstStyle/>
           <a:p>
             <a:r>
@@ -4014,15 +4601,14 @@
         </p:nvPicPr>
         <p:blipFill>
           <a:blip r:embed="rId2"/>
-          <a:srcRect/>
           <a:stretch>
             <a:fillRect/>
           </a:stretch>
         </p:blipFill>
         <p:spPr bwMode="auto">
           <a:xfrm>
-            <a:off x="3252844" y="1825625"/>
-            <a:ext cx="5686312" cy="4351338"/>
+            <a:off x="2268816" y="1609725"/>
+            <a:ext cx="6333568" cy="4846638"/>
           </a:xfrm>
           <a:prstGeom prst="rect">
             <a:avLst/>
@@ -4046,9 +4632,9 @@
 </file>
 
 <file path=ppt/theme/theme1.xml><?xml version="1.0" encoding="utf-8"?>
-<a:theme xmlns:a="http://schemas.openxmlformats.org/drawingml/2006/main" name="Office Theme">
+<a:theme xmlns:a="http://schemas.openxmlformats.org/drawingml/2006/main" name="Opulent">
   <a:themeElements>
-    <a:clrScheme name="Custom 1">
+    <a:clrScheme name="Opulent">
       <a:dk1>
         <a:sysClr val="windowText" lastClr="000000"/>
       </a:dk1>
@@ -4056,52 +4642,52 @@
         <a:sysClr val="window" lastClr="FFFFFF"/>
       </a:lt1>
       <a:dk2>
-        <a:srgbClr val="44546A"/>
+        <a:srgbClr val="B13F9A"/>
       </a:dk2>
       <a:lt2>
-        <a:srgbClr val="E7E6E6"/>
+        <a:srgbClr val="F4E7ED"/>
       </a:lt2>
       <a:accent1>
-        <a:srgbClr val="5B9BD5"/>
+        <a:srgbClr val="B83D68"/>
       </a:accent1>
       <a:accent2>
-        <a:srgbClr val="ED7D31"/>
+        <a:srgbClr val="AC66BB"/>
       </a:accent2>
       <a:accent3>
-        <a:srgbClr val="A5A5A5"/>
+        <a:srgbClr val="DE6C36"/>
       </a:accent3>
       <a:accent4>
-        <a:srgbClr val="FFC000"/>
+        <a:srgbClr val="F9B639"/>
       </a:accent4>
       <a:accent5>
-        <a:srgbClr val="4472C4"/>
+        <a:srgbClr val="CF6DA4"/>
       </a:accent5>
       <a:accent6>
-        <a:srgbClr val="70AD47"/>
+        <a:srgbClr val="FA8D3D"/>
       </a:accent6>
       <a:hlink>
-        <a:srgbClr val="FFFFFF"/>
+        <a:srgbClr val="FFDE66"/>
       </a:hlink>
       <a:folHlink>
-        <a:srgbClr val="954F72"/>
+        <a:srgbClr val="D490C5"/>
       </a:folHlink>
     </a:clrScheme>
-    <a:fontScheme name="Office Theme">
+    <a:fontScheme name="Opulent">
       <a:majorFont>
-        <a:latin typeface="Calibri Light"/>
+        <a:latin typeface="Trebuchet MS"/>
         <a:ea typeface=""/>
         <a:cs typeface=""/>
-        <a:font script="Jpan" typeface="游ゴシック Light"/>
-        <a:font script="Hang" typeface="맑은 고딕"/>
-        <a:font script="Hans" typeface="等线 Light"/>
-        <a:font script="Hant" typeface="新細明體"/>
-        <a:font script="Arab" typeface="Times New Roman"/>
-        <a:font script="Hebr" typeface="Times New Roman"/>
-        <a:font script="Thai" typeface="Angsana New"/>
+        <a:font script="Jpan" typeface="HG丸ｺﾞｼｯｸM-PRO"/>
+        <a:font script="Hang" typeface="HY그래픽M"/>
+        <a:font script="Hans" typeface="黑体"/>
+        <a:font script="Hant" typeface="微軟正黑體"/>
+        <a:font script="Arab" typeface="Tahoma"/>
+        <a:font script="Hebr" typeface="Gisha"/>
+        <a:font script="Thai" typeface="IrisUPC"/>
         <a:font script="Ethi" typeface="Nyala"/>
         <a:font script="Beng" typeface="Vrinda"/>
         <a:font script="Gujr" typeface="Shruti"/>
-        <a:font script="Khmr" typeface="MoolBoran"/>
+        <a:font script="Khmr" typeface="DaunPenh"/>
         <a:font script="Knda" typeface="Tunga"/>
         <a:font script="Guru" typeface="Raavi"/>
         <a:font script="Cans" typeface="Euphemia"/>
@@ -4118,21 +4704,20 @@
         <a:font script="Laoo" typeface="DokChampa"/>
         <a:font script="Sinh" typeface="Iskoola Pota"/>
         <a:font script="Mong" typeface="Mongolian Baiti"/>
-        <a:font script="Viet" typeface="Times New Roman"/>
+        <a:font script="Viet" typeface="Tahoma"/>
         <a:font script="Uigh" typeface="Microsoft Uighur"/>
-        <a:font script="Geor" typeface="Sylfaen"/>
       </a:majorFont>
       <a:minorFont>
-        <a:latin typeface="Calibri"/>
+        <a:latin typeface="Trebuchet MS"/>
         <a:ea typeface=""/>
         <a:cs typeface=""/>
-        <a:font script="Jpan" typeface="游ゴシック"/>
-        <a:font script="Hang" typeface="맑은 고딕"/>
-        <a:font script="Hans" typeface="等线"/>
-        <a:font script="Hant" typeface="新細明體"/>
-        <a:font script="Arab" typeface="Arial"/>
-        <a:font script="Hebr" typeface="Arial"/>
-        <a:font script="Thai" typeface="Cordia New"/>
+        <a:font script="Jpan" typeface="HG丸ｺﾞｼｯｸM-PRO"/>
+        <a:font script="Hang" typeface="HY그래픽M"/>
+        <a:font script="Hans" typeface="华文新魏"/>
+        <a:font script="Hant" typeface="微軟正黑體"/>
+        <a:font script="Arab" typeface="Tahoma"/>
+        <a:font script="Hebr" typeface="Gisha"/>
+        <a:font script="Thai" typeface="IrisUPC"/>
         <a:font script="Ethi" typeface="Nyala"/>
         <a:font script="Beng" typeface="Vrinda"/>
         <a:font script="Gujr" typeface="Shruti"/>
@@ -4155,10 +4740,9 @@
         <a:font script="Mong" typeface="Mongolian Baiti"/>
         <a:font script="Viet" typeface="Arial"/>
         <a:font script="Uigh" typeface="Microsoft Uighur"/>
-        <a:font script="Geor" typeface="Sylfaen"/>
       </a:minorFont>
     </a:fontScheme>
-    <a:fmtScheme name="Office Theme">
+    <a:fmtScheme name="Opulent">
       <a:fillStyleLst>
         <a:solidFill>
           <a:schemeClr val="phClr"/>
@@ -4167,141 +4751,181 @@
           <a:gsLst>
             <a:gs pos="0">
               <a:schemeClr val="phClr">
-                <a:lumMod val="110000"/>
-                <a:satMod val="105000"/>
-                <a:tint val="67000"/>
+                <a:tint val="15000"/>
+                <a:satMod val="250000"/>
               </a:schemeClr>
             </a:gs>
-            <a:gs pos="50000">
+            <a:gs pos="49000">
               <a:schemeClr val="phClr">
-                <a:lumMod val="105000"/>
-                <a:satMod val="103000"/>
-                <a:tint val="73000"/>
+                <a:tint val="50000"/>
+                <a:satMod val="200000"/>
+              </a:schemeClr>
+            </a:gs>
+            <a:gs pos="49100">
+              <a:schemeClr val="phClr">
+                <a:tint val="64000"/>
+                <a:satMod val="160000"/>
+              </a:schemeClr>
+            </a:gs>
+            <a:gs pos="92000">
+              <a:schemeClr val="phClr">
+                <a:tint val="50000"/>
+                <a:satMod val="200000"/>
               </a:schemeClr>
             </a:gs>
             <a:gs pos="100000">
               <a:schemeClr val="phClr">
-                <a:lumMod val="105000"/>
-                <a:satMod val="109000"/>
-                <a:tint val="81000"/>
+                <a:tint val="43000"/>
+                <a:satMod val="190000"/>
               </a:schemeClr>
             </a:gs>
           </a:gsLst>
-          <a:lin ang="5400000" scaled="0"/>
+          <a:lin ang="5400000" scaled="1"/>
         </a:gradFill>
         <a:gradFill rotWithShape="1">
           <a:gsLst>
             <a:gs pos="0">
               <a:schemeClr val="phClr">
-                <a:satMod val="103000"/>
-                <a:lumMod val="102000"/>
-                <a:tint val="94000"/>
+                <a:tint val="74000"/>
               </a:schemeClr>
             </a:gs>
-            <a:gs pos="50000">
+            <a:gs pos="49000">
               <a:schemeClr val="phClr">
+                <a:tint val="96000"/>
+                <a:shade val="84000"/>
                 <a:satMod val="110000"/>
-                <a:lumMod val="100000"/>
-                <a:shade val="100000"/>
+              </a:schemeClr>
+            </a:gs>
+            <a:gs pos="49100">
+              <a:schemeClr val="phClr">
+                <a:shade val="55000"/>
+                <a:satMod val="150000"/>
+              </a:schemeClr>
+            </a:gs>
+            <a:gs pos="92000">
+              <a:schemeClr val="phClr">
+                <a:tint val="98000"/>
+                <a:shade val="90000"/>
+                <a:satMod val="128000"/>
               </a:schemeClr>
             </a:gs>
             <a:gs pos="100000">
               <a:schemeClr val="phClr">
-                <a:lumMod val="99000"/>
-                <a:satMod val="120000"/>
-                <a:shade val="78000"/>
+                <a:tint val="90000"/>
+                <a:shade val="97000"/>
+                <a:satMod val="128000"/>
               </a:schemeClr>
             </a:gs>
           </a:gsLst>
-          <a:lin ang="5400000" scaled="0"/>
+          <a:lin ang="5400000" scaled="1"/>
         </a:gradFill>
       </a:fillStyleLst>
       <a:lnStyleLst>
-        <a:ln w="6350" cap="flat" cmpd="sng" algn="ctr">
+        <a:ln w="11430" cap="flat" cmpd="sng" algn="ctr">
           <a:solidFill>
             <a:schemeClr val="phClr"/>
           </a:solidFill>
           <a:prstDash val="solid"/>
-          <a:miter lim="800000"/>
         </a:ln>
-        <a:ln w="12700" cap="flat" cmpd="sng" algn="ctr">
+        <a:ln w="40000" cap="flat" cmpd="sng" algn="ctr">
           <a:solidFill>
             <a:schemeClr val="phClr"/>
           </a:solidFill>
           <a:prstDash val="solid"/>
-          <a:miter lim="800000"/>
         </a:ln>
-        <a:ln w="19050" cap="flat" cmpd="sng" algn="ctr">
+        <a:ln w="31800" cap="flat" cmpd="sng" algn="ctr">
           <a:solidFill>
             <a:schemeClr val="phClr"/>
           </a:solidFill>
           <a:prstDash val="solid"/>
-          <a:miter lim="800000"/>
         </a:ln>
       </a:lnStyleLst>
       <a:effectStyleLst>
         <a:effectStyle>
-          <a:effectLst/>
-        </a:effectStyle>
-        <a:effectStyle>
-          <a:effectLst/>
+          <a:effectLst>
+            <a:outerShdw blurRad="50800" dist="25000" dir="5400000" rotWithShape="0">
+              <a:schemeClr val="phClr">
+                <a:shade val="30000"/>
+                <a:satMod val="150000"/>
+                <a:alpha val="38000"/>
+              </a:schemeClr>
+            </a:outerShdw>
+          </a:effectLst>
         </a:effectStyle>
         <a:effectStyle>
           <a:effectLst>
-            <a:outerShdw blurRad="57150" dist="19050" dir="5400000" algn="ctr" rotWithShape="0">
-              <a:srgbClr val="000000">
-                <a:alpha val="63000"/>
-              </a:srgbClr>
+            <a:outerShdw blurRad="39000" dist="25400" dir="5400000" rotWithShape="0">
+              <a:schemeClr val="phClr">
+                <a:shade val="33000"/>
+                <a:alpha val="83000"/>
+              </a:schemeClr>
             </a:outerShdw>
           </a:effectLst>
+        </a:effectStyle>
+        <a:effectStyle>
+          <a:effectLst>
+            <a:outerShdw blurRad="39000" dist="25400" dir="5400000" rotWithShape="0">
+              <a:schemeClr val="phClr">
+                <a:shade val="33000"/>
+                <a:alpha val="83000"/>
+              </a:schemeClr>
+            </a:outerShdw>
+          </a:effectLst>
+          <a:scene3d>
+            <a:camera prst="orthographicFront" fov="0">
+              <a:rot lat="0" lon="0" rev="0"/>
+            </a:camera>
+            <a:lightRig rig="contrasting" dir="t">
+              <a:rot lat="0" lon="0" rev="1500000"/>
+            </a:lightRig>
+          </a:scene3d>
+          <a:sp3d extrusionH="127000" prstMaterial="powder">
+            <a:bevelT w="50800" h="63500"/>
+          </a:sp3d>
         </a:effectStyle>
       </a:effectStyleLst>
       <a:bgFillStyleLst>
         <a:solidFill>
           <a:schemeClr val="phClr"/>
         </a:solidFill>
-        <a:solidFill>
-          <a:schemeClr val="phClr">
-            <a:tint val="95000"/>
-            <a:satMod val="170000"/>
-          </a:schemeClr>
-        </a:solidFill>
         <a:gradFill rotWithShape="1">
           <a:gsLst>
             <a:gs pos="0">
               <a:schemeClr val="phClr">
-                <a:tint val="93000"/>
-                <a:satMod val="150000"/>
-                <a:shade val="98000"/>
-                <a:lumMod val="102000"/>
-              </a:schemeClr>
-            </a:gs>
-            <a:gs pos="50000">
-              <a:schemeClr val="phClr">
-                <a:tint val="98000"/>
-                <a:satMod val="130000"/>
-                <a:shade val="90000"/>
-                <a:lumMod val="103000"/>
+                <a:tint val="78000"/>
+                <a:satMod val="220000"/>
               </a:schemeClr>
             </a:gs>
             <a:gs pos="100000">
               <a:schemeClr val="phClr">
-                <a:shade val="63000"/>
-                <a:satMod val="120000"/>
+                <a:shade val="35000"/>
+                <a:satMod val="155000"/>
               </a:schemeClr>
             </a:gs>
           </a:gsLst>
-          <a:lin ang="5400000" scaled="0"/>
+          <a:path path="circle">
+            <a:fillToRect l="50000" t="50000" r="50000" b="50000"/>
+          </a:path>
         </a:gradFill>
+        <a:blipFill>
+          <a:blip xmlns:r="http://schemas.openxmlformats.org/officeDocument/2006/relationships" r:embed="rId1">
+            <a:duotone>
+              <a:schemeClr val="phClr">
+                <a:shade val="60000"/>
+                <a:satMod val="180000"/>
+              </a:schemeClr>
+              <a:schemeClr val="phClr">
+                <a:tint val="500"/>
+                <a:satMod val="150000"/>
+              </a:schemeClr>
+            </a:duotone>
+          </a:blip>
+          <a:tile tx="0" ty="0" sx="50000" sy="50000" flip="none" algn="tl"/>
+        </a:blipFill>
       </a:bgFillStyleLst>
     </a:fmtScheme>
   </a:themeElements>
   <a:objectDefaults/>
   <a:extraClrSchemeLst/>
-  <a:extLst>
-    <a:ext uri="{05A4C25C-085E-4340-85A3-A5531E510DB2}">
-      <thm15:themeFamily xmlns:thm15="http://schemas.microsoft.com/office/thememl/2012/main" xmlns="" name="Office Theme" id="{62F939B6-93AF-4DB8-9C6B-D6C7DFDC589F}" vid="{4A3C46E8-61CC-4603-A589-7422A47A8E4A}"/>
-    </a:ext>
-  </a:extLst>
 </a:theme>
 </file>